--- a/bai 4/Character device driver.pptx
+++ b/bai 4/Character device driver.pptx
@@ -5,10 +5,10 @@
     <p:sldMasterId id="2147483648" r:id="rId1"/>
   </p:sldMasterIdLst>
   <p:notesMasterIdLst>
-    <p:notesMasterId r:id="rId22"/>
+    <p:notesMasterId r:id="rId24"/>
   </p:notesMasterIdLst>
   <p:handoutMasterIdLst>
-    <p:handoutMasterId r:id="rId23"/>
+    <p:handoutMasterId r:id="rId25"/>
   </p:handoutMasterIdLst>
   <p:sldIdLst>
     <p:sldId id="256" r:id="rId2"/>
@@ -17,20 +17,22 @@
     <p:sldId id="261" r:id="rId5"/>
     <p:sldId id="262" r:id="rId6"/>
     <p:sldId id="267" r:id="rId7"/>
-    <p:sldId id="263" r:id="rId8"/>
-    <p:sldId id="264" r:id="rId9"/>
-    <p:sldId id="275" r:id="rId10"/>
-    <p:sldId id="265" r:id="rId11"/>
-    <p:sldId id="266" r:id="rId12"/>
-    <p:sldId id="268" r:id="rId13"/>
-    <p:sldId id="269" r:id="rId14"/>
-    <p:sldId id="270" r:id="rId15"/>
-    <p:sldId id="271" r:id="rId16"/>
-    <p:sldId id="272" r:id="rId17"/>
-    <p:sldId id="273" r:id="rId18"/>
-    <p:sldId id="274" r:id="rId19"/>
-    <p:sldId id="276" r:id="rId20"/>
-    <p:sldId id="258" r:id="rId21"/>
+    <p:sldId id="277" r:id="rId8"/>
+    <p:sldId id="278" r:id="rId9"/>
+    <p:sldId id="263" r:id="rId10"/>
+    <p:sldId id="264" r:id="rId11"/>
+    <p:sldId id="275" r:id="rId12"/>
+    <p:sldId id="265" r:id="rId13"/>
+    <p:sldId id="266" r:id="rId14"/>
+    <p:sldId id="268" r:id="rId15"/>
+    <p:sldId id="269" r:id="rId16"/>
+    <p:sldId id="270" r:id="rId17"/>
+    <p:sldId id="271" r:id="rId18"/>
+    <p:sldId id="272" r:id="rId19"/>
+    <p:sldId id="273" r:id="rId20"/>
+    <p:sldId id="274" r:id="rId21"/>
+    <p:sldId id="276" r:id="rId22"/>
+    <p:sldId id="258" r:id="rId23"/>
   </p:sldIdLst>
   <p:sldSz cx="9144000" cy="5143500" type="screen16x9"/>
   <p:notesSz cx="6858000" cy="9144000"/>
@@ -230,7 +232,7 @@
           <a:p>
             <a:fld id="{9DF6B2F8-E390-BD4F-9ACD-789C35D23CE3}" type="datetimeFigureOut">
               <a:rPr lang="en-US" smtClean="0"/>
-              <a:t>4/26/2020</a:t>
+              <a:t>8/1/2020</a:t>
             </a:fld>
             <a:endParaRPr lang="en-US"/>
           </a:p>
@@ -396,7 +398,7 @@
           <a:p>
             <a:fld id="{79FF8F81-D7B9-424E-B993-6D09B3871A4E}" type="datetimeFigureOut">
               <a:rPr lang="en-US" smtClean="0"/>
-              <a:t>4/26/2020</a:t>
+              <a:t>8/1/2020</a:t>
             </a:fld>
             <a:endParaRPr lang="en-US"/>
           </a:p>
@@ -814,7 +816,7 @@
           <a:p>
             <a:fld id="{2B3067B3-3AE6-DD4A-9E3D-C999AB3971A1}" type="slidenum">
               <a:rPr lang="en-US" smtClean="0"/>
-              <a:t>20</a:t>
+              <a:t>22</a:t>
             </a:fld>
             <a:endParaRPr lang="en-US"/>
           </a:p>
@@ -1054,7 +1056,7 @@
           <a:p>
             <a:fld id="{7F3FBE28-58BC-4486-9A8E-6C1F0E326EAB}" type="datetime1">
               <a:rPr lang="en-US" smtClean="0"/>
-              <a:t>4/26/2020</a:t>
+              <a:t>8/1/2020</a:t>
             </a:fld>
             <a:endParaRPr lang="en-US"/>
           </a:p>
@@ -1240,7 +1242,7 @@
           <a:p>
             <a:fld id="{AE5B28C3-1882-4E84-9C82-23BA74B52008}" type="datetime1">
               <a:rPr lang="en-US" smtClean="0"/>
-              <a:t>4/26/2020</a:t>
+              <a:t>8/1/2020</a:t>
             </a:fld>
             <a:endParaRPr lang="en-US"/>
           </a:p>
@@ -1424,7 +1426,7 @@
           <a:p>
             <a:fld id="{945B1917-4DD8-41D3-93A0-974B9DFBBCBF}" type="datetime1">
               <a:rPr lang="en-US" smtClean="0"/>
-              <a:t>4/26/2020</a:t>
+              <a:t>8/1/2020</a:t>
             </a:fld>
             <a:endParaRPr lang="en-US"/>
           </a:p>
@@ -1598,7 +1600,7 @@
           <a:p>
             <a:fld id="{025DB114-CA1C-4405-B4C9-B0D9B62EC79D}" type="datetimeFigureOut">
               <a:rPr lang="en-US" smtClean="0"/>
-              <a:t>4/26/2020</a:t>
+              <a:t>8/1/2020</a:t>
             </a:fld>
             <a:endParaRPr lang="en-US"/>
           </a:p>
@@ -1813,7 +1815,7 @@
           <a:p>
             <a:fld id="{403BB6E5-7AA4-4C0D-BF97-BDC69083DBC9}" type="datetime1">
               <a:rPr lang="en-US" smtClean="0"/>
-              <a:t>4/26/2020</a:t>
+              <a:t>8/1/2020</a:t>
             </a:fld>
             <a:endParaRPr lang="en-US"/>
           </a:p>
@@ -2070,7 +2072,7 @@
           <a:p>
             <a:fld id="{5E5BBB4B-2F94-4F11-9AD4-28D0EBD25231}" type="datetime1">
               <a:rPr lang="en-US" smtClean="0"/>
-              <a:t>4/26/2020</a:t>
+              <a:t>8/1/2020</a:t>
             </a:fld>
             <a:endParaRPr lang="en-US"/>
           </a:p>
@@ -2369,7 +2371,7 @@
           <a:p>
             <a:fld id="{B79A5478-161F-4B28-93E5-DE9BF6B2D5E2}" type="datetime1">
               <a:rPr lang="en-US" smtClean="0"/>
-              <a:t>4/26/2020</a:t>
+              <a:t>8/1/2020</a:t>
             </a:fld>
             <a:endParaRPr lang="en-US"/>
           </a:p>
@@ -2807,7 +2809,7 @@
           <a:p>
             <a:fld id="{30E38055-F1C9-4AC4-B9E3-476EF82AD4CC}" type="datetime1">
               <a:rPr lang="en-US" smtClean="0"/>
-              <a:t>4/26/2020</a:t>
+              <a:t>8/1/2020</a:t>
             </a:fld>
             <a:endParaRPr lang="en-US"/>
           </a:p>
@@ -2936,7 +2938,7 @@
           <a:p>
             <a:fld id="{39D9E8B6-A1D4-4191-8D54-A8260B6A1972}" type="datetime1">
               <a:rPr lang="en-US" smtClean="0"/>
-              <a:t>4/26/2020</a:t>
+              <a:t>8/1/2020</a:t>
             </a:fld>
             <a:endParaRPr lang="en-US"/>
           </a:p>
@@ -3042,7 +3044,7 @@
           <a:p>
             <a:fld id="{924C1980-AF69-46D2-A9FE-14E6E6C939BE}" type="datetime1">
               <a:rPr lang="en-US" smtClean="0"/>
-              <a:t>4/26/2020</a:t>
+              <a:t>8/1/2020</a:t>
             </a:fld>
             <a:endParaRPr lang="en-US"/>
           </a:p>
@@ -3313,7 +3315,7 @@
           <a:p>
             <a:fld id="{AAA33C03-0194-466F-B287-AA772F5566B9}" type="datetime1">
               <a:rPr lang="en-US" smtClean="0"/>
-              <a:t>4/26/2020</a:t>
+              <a:t>8/1/2020</a:t>
             </a:fld>
             <a:endParaRPr lang="en-US"/>
           </a:p>
@@ -3579,7 +3581,7 @@
           <a:p>
             <a:fld id="{D31FF56F-D32E-44F3-A5D6-9F4533FAF9BD}" type="datetime1">
               <a:rPr lang="en-US" smtClean="0"/>
-              <a:t>4/26/2020</a:t>
+              <a:t>8/1/2020</a:t>
             </a:fld>
             <a:endParaRPr lang="en-US"/>
           </a:p>
@@ -3826,7 +3828,7 @@
           <a:p>
             <a:fld id="{0289C729-EC9D-4075-8A00-DCB3B3221814}" type="datetime1">
               <a:rPr lang="en-US" smtClean="0"/>
-              <a:t>4/26/2020</a:t>
+              <a:t>8/1/2020</a:t>
             </a:fld>
             <a:endParaRPr lang="en-US"/>
           </a:p>
@@ -4413,6 +4415,433 @@
           <a:p>
             <a:r>
               <a:rPr lang="en-US"/>
+              <a:t>Implement file operation in driver</a:t>
+            </a:r>
+          </a:p>
+        </p:txBody>
+      </p:sp>
+      <p:sp>
+        <p:nvSpPr>
+          <p:cNvPr id="3" name="Text Placeholder 2"/>
+          <p:cNvSpPr>
+            <a:spLocks noGrp="1"/>
+          </p:cNvSpPr>
+          <p:nvPr>
+            <p:ph idx="1"/>
+          </p:nvPr>
+        </p:nvSpPr>
+        <p:spPr/>
+        <p:txBody>
+          <a:bodyPr>
+            <a:normAutofit fontScale="92500" lnSpcReduction="10000"/>
+          </a:bodyPr>
+          <a:lstStyle/>
+          <a:p>
+            <a:pPr lvl="0"/>
+            <a:r>
+              <a:rPr lang="en-US" dirty="0"/>
+              <a:t>static int </a:t>
+            </a:r>
+            <a:r>
+              <a:rPr lang="en-US" dirty="0" err="1"/>
+              <a:t>dev_open</a:t>
+            </a:r>
+            <a:r>
+              <a:rPr lang="en-US" dirty="0"/>
+              <a:t>(</a:t>
+            </a:r>
+            <a:r>
+              <a:rPr lang="en-US" dirty="0" err="1"/>
+              <a:t>struct</a:t>
+            </a:r>
+            <a:r>
+              <a:rPr lang="en-US" dirty="0"/>
+              <a:t> </a:t>
+            </a:r>
+            <a:r>
+              <a:rPr lang="en-US" dirty="0" err="1"/>
+              <a:t>inode</a:t>
+            </a:r>
+            <a:r>
+              <a:rPr lang="en-US" dirty="0"/>
+              <a:t> *</a:t>
+            </a:r>
+            <a:r>
+              <a:rPr lang="en-US" dirty="0" err="1"/>
+              <a:t>inodep</a:t>
+            </a:r>
+            <a:r>
+              <a:rPr lang="en-US" dirty="0"/>
+              <a:t>, </a:t>
+            </a:r>
+            <a:r>
+              <a:rPr lang="en-US" dirty="0" err="1"/>
+              <a:t>struct</a:t>
+            </a:r>
+            <a:r>
+              <a:rPr lang="en-US" dirty="0"/>
+              <a:t> file *</a:t>
+            </a:r>
+            <a:r>
+              <a:rPr lang="en-US" dirty="0" err="1"/>
+              <a:t>filep</a:t>
+            </a:r>
+            <a:r>
+              <a:rPr lang="en-US" dirty="0"/>
+              <a:t>)</a:t>
+            </a:r>
+          </a:p>
+          <a:p>
+            <a:pPr lvl="0"/>
+            <a:r>
+              <a:rPr lang="en-US" dirty="0"/>
+              <a:t>static int </a:t>
+            </a:r>
+            <a:r>
+              <a:rPr lang="en-US" dirty="0" err="1"/>
+              <a:t>dev_close</a:t>
+            </a:r>
+            <a:r>
+              <a:rPr lang="en-US" dirty="0"/>
+              <a:t>(</a:t>
+            </a:r>
+            <a:r>
+              <a:rPr lang="en-US" dirty="0" err="1"/>
+              <a:t>struct</a:t>
+            </a:r>
+            <a:r>
+              <a:rPr lang="en-US" dirty="0"/>
+              <a:t> </a:t>
+            </a:r>
+            <a:r>
+              <a:rPr lang="en-US" dirty="0" err="1"/>
+              <a:t>inode</a:t>
+            </a:r>
+            <a:r>
+              <a:rPr lang="en-US" dirty="0"/>
+              <a:t> *</a:t>
+            </a:r>
+            <a:r>
+              <a:rPr lang="en-US" dirty="0" err="1"/>
+              <a:t>inodep</a:t>
+            </a:r>
+            <a:r>
+              <a:rPr lang="en-US" dirty="0"/>
+              <a:t>, </a:t>
+            </a:r>
+            <a:r>
+              <a:rPr lang="en-US" dirty="0" err="1"/>
+              <a:t>struct</a:t>
+            </a:r>
+            <a:r>
+              <a:rPr lang="en-US" dirty="0"/>
+              <a:t> file *</a:t>
+            </a:r>
+            <a:r>
+              <a:rPr lang="en-US" dirty="0" err="1"/>
+              <a:t>filep</a:t>
+            </a:r>
+            <a:r>
+              <a:rPr lang="en-US" dirty="0"/>
+              <a:t>)</a:t>
+            </a:r>
+          </a:p>
+          <a:p>
+            <a:pPr lvl="0"/>
+            <a:r>
+              <a:rPr lang="en-US" dirty="0"/>
+              <a:t>static ssize_t </a:t>
+            </a:r>
+            <a:r>
+              <a:rPr lang="en-US" dirty="0" err="1"/>
+              <a:t>dev_read</a:t>
+            </a:r>
+            <a:r>
+              <a:rPr lang="en-US" dirty="0"/>
+              <a:t>(</a:t>
+            </a:r>
+            <a:r>
+              <a:rPr lang="en-US" dirty="0" err="1"/>
+              <a:t>struct</a:t>
+            </a:r>
+            <a:r>
+              <a:rPr lang="en-US" dirty="0"/>
+              <a:t> file*</a:t>
+            </a:r>
+            <a:r>
+              <a:rPr lang="en-US" dirty="0" err="1"/>
+              <a:t>filep</a:t>
+            </a:r>
+            <a:r>
+              <a:rPr lang="en-US" dirty="0"/>
+              <a:t>, char __user *buf, size_t </a:t>
+            </a:r>
+            <a:r>
+              <a:rPr lang="en-US" dirty="0" err="1"/>
+              <a:t>len</a:t>
+            </a:r>
+            <a:r>
+              <a:rPr lang="en-US" dirty="0"/>
+              <a:t>, </a:t>
+            </a:r>
+            <a:r>
+              <a:rPr lang="en-US" dirty="0" err="1"/>
+              <a:t>loff_t</a:t>
+            </a:r>
+            <a:r>
+              <a:rPr lang="en-US" dirty="0"/>
+              <a:t> *offset)</a:t>
+            </a:r>
+          </a:p>
+          <a:p>
+            <a:pPr lvl="0"/>
+            <a:r>
+              <a:rPr lang="en-US" dirty="0"/>
+              <a:t>static ssize_t </a:t>
+            </a:r>
+            <a:r>
+              <a:rPr lang="en-US" dirty="0" err="1"/>
+              <a:t>dev_write</a:t>
+            </a:r>
+            <a:r>
+              <a:rPr lang="en-US" dirty="0"/>
+              <a:t>(</a:t>
+            </a:r>
+            <a:r>
+              <a:rPr lang="en-US" dirty="0" err="1"/>
+              <a:t>struct</a:t>
+            </a:r>
+            <a:r>
+              <a:rPr lang="en-US" dirty="0"/>
+              <a:t> file*</a:t>
+            </a:r>
+            <a:r>
+              <a:rPr lang="en-US" dirty="0" err="1"/>
+              <a:t>filep</a:t>
+            </a:r>
+            <a:r>
+              <a:rPr lang="en-US" dirty="0"/>
+              <a:t>, const char __user *buf, size_t </a:t>
+            </a:r>
+            <a:r>
+              <a:rPr lang="en-US" dirty="0" err="1"/>
+              <a:t>len</a:t>
+            </a:r>
+            <a:r>
+              <a:rPr lang="en-US" dirty="0"/>
+              <a:t>, </a:t>
+            </a:r>
+            <a:r>
+              <a:rPr lang="en-US" dirty="0" err="1"/>
+              <a:t>loff_t</a:t>
+            </a:r>
+            <a:r>
+              <a:rPr lang="en-US" dirty="0"/>
+              <a:t> *offset</a:t>
+            </a:r>
+            <a:r>
+              <a:rPr lang="en-US" dirty="0" smtClean="0"/>
+              <a:t>)</a:t>
+            </a:r>
+            <a:endParaRPr lang="en-US" dirty="0"/>
+          </a:p>
+        </p:txBody>
+      </p:sp>
+    </p:spTree>
+    <p:extLst>
+      <p:ext uri="{BB962C8B-B14F-4D97-AF65-F5344CB8AC3E}">
+        <p14:creationId xmlns:p14="http://schemas.microsoft.com/office/powerpoint/2010/main" val="2863290237"/>
+      </p:ext>
+    </p:extLst>
+  </p:cSld>
+  <p:clrMapOvr>
+    <a:masterClrMapping/>
+  </p:clrMapOvr>
+</p:sld>
+</file>
+
+<file path=ppt/slides/slide11.xml><?xml version="1.0" encoding="utf-8"?>
+<p:sld xmlns:a="http://schemas.openxmlformats.org/drawingml/2006/main" xmlns:r="http://schemas.openxmlformats.org/officeDocument/2006/relationships" xmlns:p="http://schemas.openxmlformats.org/presentationml/2006/main">
+  <p:cSld>
+    <p:spTree>
+      <p:nvGrpSpPr>
+        <p:cNvPr id="1" name=""/>
+        <p:cNvGrpSpPr/>
+        <p:nvPr/>
+      </p:nvGrpSpPr>
+      <p:grpSpPr>
+        <a:xfrm>
+          <a:off x="0" y="0"/>
+          <a:ext cx="0" cy="0"/>
+          <a:chOff x="0" y="0"/>
+          <a:chExt cx="0" cy="0"/>
+        </a:xfrm>
+      </p:grpSpPr>
+      <p:sp>
+        <p:nvSpPr>
+          <p:cNvPr id="2" name="Title 1"/>
+          <p:cNvSpPr>
+            <a:spLocks noGrp="1"/>
+          </p:cNvSpPr>
+          <p:nvPr>
+            <p:ph type="title"/>
+          </p:nvPr>
+        </p:nvSpPr>
+        <p:spPr/>
+        <p:txBody>
+          <a:bodyPr/>
+          <a:lstStyle/>
+          <a:p>
+            <a:r>
+              <a:rPr lang="en-US" dirty="0" smtClean="0"/>
+              <a:t>Swap memory buffer</a:t>
+            </a:r>
+            <a:endParaRPr lang="en-US" dirty="0"/>
+          </a:p>
+        </p:txBody>
+      </p:sp>
+      <p:sp>
+        <p:nvSpPr>
+          <p:cNvPr id="3" name="Content Placeholder 2"/>
+          <p:cNvSpPr>
+            <a:spLocks noGrp="1"/>
+          </p:cNvSpPr>
+          <p:nvPr>
+            <p:ph idx="1"/>
+          </p:nvPr>
+        </p:nvSpPr>
+        <p:spPr/>
+        <p:txBody>
+          <a:bodyPr/>
+          <a:lstStyle/>
+          <a:p>
+            <a:pPr lvl="0"/>
+            <a:r>
+              <a:rPr lang="en-US" dirty="0"/>
+              <a:t>unsigned long </a:t>
+            </a:r>
+            <a:r>
+              <a:rPr lang="en-US" dirty="0" err="1"/>
+              <a:t>copy_from_user</a:t>
+            </a:r>
+            <a:r>
+              <a:rPr lang="en-US" dirty="0"/>
+              <a:t>(void *to, const void __user *from, unsigned long n);</a:t>
+            </a:r>
+          </a:p>
+          <a:p>
+            <a:pPr lvl="0"/>
+            <a:r>
+              <a:rPr lang="en-US" dirty="0"/>
+              <a:t>unsigned long </a:t>
+            </a:r>
+            <a:r>
+              <a:rPr lang="en-US" dirty="0" err="1"/>
+              <a:t>copy_to_user</a:t>
+            </a:r>
+            <a:r>
+              <a:rPr lang="en-US" dirty="0"/>
+              <a:t>(void __user *to, const void *from, unsigned long n);</a:t>
+            </a:r>
+          </a:p>
+          <a:p>
+            <a:endParaRPr lang="en-US" dirty="0"/>
+          </a:p>
+        </p:txBody>
+      </p:sp>
+      <p:sp>
+        <p:nvSpPr>
+          <p:cNvPr id="4" name="Footer Placeholder 3"/>
+          <p:cNvSpPr>
+            <a:spLocks noGrp="1"/>
+          </p:cNvSpPr>
+          <p:nvPr>
+            <p:ph type="ftr" sz="quarter" idx="11"/>
+          </p:nvPr>
+        </p:nvSpPr>
+        <p:spPr/>
+        <p:txBody>
+          <a:bodyPr/>
+          <a:lstStyle/>
+          <a:p>
+            <a:r>
+              <a:rPr lang="en-US" smtClean="0"/>
+              <a:t>©FPT SOFTWARE - Corporate Training Center - Internal Use</a:t>
+            </a:r>
+            <a:endParaRPr lang="en-US"/>
+          </a:p>
+        </p:txBody>
+      </p:sp>
+      <p:sp>
+        <p:nvSpPr>
+          <p:cNvPr id="5" name="Slide Number Placeholder 4"/>
+          <p:cNvSpPr>
+            <a:spLocks noGrp="1"/>
+          </p:cNvSpPr>
+          <p:nvPr>
+            <p:ph type="sldNum" sz="quarter" idx="12"/>
+          </p:nvPr>
+        </p:nvSpPr>
+        <p:spPr/>
+        <p:txBody>
+          <a:bodyPr/>
+          <a:lstStyle/>
+          <a:p>
+            <a:fld id="{E3B08AF7-4237-6949-8335-F63F47C2C8CC}" type="slidenum">
+              <a:rPr lang="en-US" smtClean="0"/>
+              <a:t>11</a:t>
+            </a:fld>
+            <a:endParaRPr lang="en-US"/>
+          </a:p>
+        </p:txBody>
+      </p:sp>
+    </p:spTree>
+    <p:extLst>
+      <p:ext uri="{BB962C8B-B14F-4D97-AF65-F5344CB8AC3E}">
+        <p14:creationId xmlns:p14="http://schemas.microsoft.com/office/powerpoint/2010/main" val="3946249162"/>
+      </p:ext>
+    </p:extLst>
+  </p:cSld>
+  <p:clrMapOvr>
+    <a:masterClrMapping/>
+  </p:clrMapOvr>
+</p:sld>
+</file>
+
+<file path=ppt/slides/slide12.xml><?xml version="1.0" encoding="utf-8"?>
+<p:sld xmlns:a="http://schemas.openxmlformats.org/drawingml/2006/main" xmlns:r="http://schemas.openxmlformats.org/officeDocument/2006/relationships" xmlns:p="http://schemas.openxmlformats.org/presentationml/2006/main">
+  <p:cSld>
+    <p:spTree>
+      <p:nvGrpSpPr>
+        <p:cNvPr id="1" name=""/>
+        <p:cNvGrpSpPr/>
+        <p:nvPr/>
+      </p:nvGrpSpPr>
+      <p:grpSpPr>
+        <a:xfrm>
+          <a:off x="0" y="0"/>
+          <a:ext cx="0" cy="0"/>
+          <a:chOff x="0" y="0"/>
+          <a:chExt cx="0" cy="0"/>
+        </a:xfrm>
+      </p:grpSpPr>
+      <p:sp>
+        <p:nvSpPr>
+          <p:cNvPr id="2" name="Title 1"/>
+          <p:cNvSpPr>
+            <a:spLocks noGrp="1"/>
+          </p:cNvSpPr>
+          <p:nvPr>
+            <p:ph type="title"/>
+          </p:nvPr>
+        </p:nvSpPr>
+        <p:spPr/>
+        <p:txBody>
+          <a:bodyPr/>
+          <a:lstStyle/>
+          <a:p>
+            <a:r>
+              <a:rPr lang="en-US"/>
               <a:t>Register file operation with kernel</a:t>
             </a:r>
           </a:p>
@@ -4481,209 +4910,6 @@
 </p:sld>
 </file>
 
-<file path=ppt/slides/slide11.xml><?xml version="1.0" encoding="utf-8"?>
-<p:sld xmlns:a="http://schemas.openxmlformats.org/drawingml/2006/main" xmlns:r="http://schemas.openxmlformats.org/officeDocument/2006/relationships" xmlns:p="http://schemas.openxmlformats.org/presentationml/2006/main">
-  <p:cSld>
-    <p:spTree>
-      <p:nvGrpSpPr>
-        <p:cNvPr id="1" name=""/>
-        <p:cNvGrpSpPr/>
-        <p:nvPr/>
-      </p:nvGrpSpPr>
-      <p:grpSpPr>
-        <a:xfrm>
-          <a:off x="0" y="0"/>
-          <a:ext cx="0" cy="0"/>
-          <a:chOff x="0" y="0"/>
-          <a:chExt cx="0" cy="0"/>
-        </a:xfrm>
-      </p:grpSpPr>
-      <p:sp>
-        <p:nvSpPr>
-          <p:cNvPr id="2" name="Title 1"/>
-          <p:cNvSpPr>
-            <a:spLocks noGrp="1"/>
-          </p:cNvSpPr>
-          <p:nvPr>
-            <p:ph type="title"/>
-          </p:nvPr>
-        </p:nvSpPr>
-        <p:spPr/>
-        <p:txBody>
-          <a:bodyPr/>
-          <a:lstStyle/>
-          <a:p>
-            <a:r>
-              <a:rPr lang="en-US"/>
-              <a:t>Basic steps of character driver</a:t>
-            </a:r>
-          </a:p>
-        </p:txBody>
-      </p:sp>
-      <p:sp>
-        <p:nvSpPr>
-          <p:cNvPr id="3" name="Text Placeholder 2"/>
-          <p:cNvSpPr>
-            <a:spLocks noGrp="1"/>
-          </p:cNvSpPr>
-          <p:nvPr>
-            <p:ph idx="1"/>
-          </p:nvPr>
-        </p:nvSpPr>
-        <p:spPr/>
-        <p:txBody>
-          <a:bodyPr/>
-          <a:lstStyle/>
-          <a:p>
-            <a:pPr lvl="0"/>
-            <a:r>
-              <a:rPr lang="en-US"/>
-              <a:t>Define file operation</a:t>
-            </a:r>
-          </a:p>
-          <a:p>
-            <a:pPr lvl="0"/>
-            <a:r>
-              <a:rPr lang="en-US"/>
-              <a:t>Define other interface</a:t>
-            </a:r>
-          </a:p>
-          <a:p>
-            <a:pPr lvl="0"/>
-            <a:r>
-              <a:rPr lang="en-US"/>
-              <a:t>Initialize private resource</a:t>
-            </a:r>
-          </a:p>
-          <a:p>
-            <a:pPr lvl="0"/>
-            <a:r>
-              <a:rPr lang="en-US"/>
-              <a:t>Create device file</a:t>
-            </a:r>
-          </a:p>
-          <a:p>
-            <a:pPr lvl="0"/>
-            <a:r>
-              <a:rPr lang="en-US"/>
-              <a:t>Register file operation and other interface</a:t>
-            </a:r>
-          </a:p>
-        </p:txBody>
-      </p:sp>
-    </p:spTree>
-    <p:extLst>
-      <p:ext uri="{BB962C8B-B14F-4D97-AF65-F5344CB8AC3E}">
-        <p14:creationId xmlns:p14="http://schemas.microsoft.com/office/powerpoint/2010/main" val="2010902798"/>
-      </p:ext>
-    </p:extLst>
-  </p:cSld>
-  <p:clrMapOvr>
-    <a:masterClrMapping/>
-  </p:clrMapOvr>
-</p:sld>
-</file>
-
-<file path=ppt/slides/slide12.xml><?xml version="1.0" encoding="utf-8"?>
-<p:sld xmlns:a="http://schemas.openxmlformats.org/drawingml/2006/main" xmlns:r="http://schemas.openxmlformats.org/officeDocument/2006/relationships" xmlns:p="http://schemas.openxmlformats.org/presentationml/2006/main">
-  <p:cSld>
-    <p:spTree>
-      <p:nvGrpSpPr>
-        <p:cNvPr id="1" name=""/>
-        <p:cNvGrpSpPr/>
-        <p:nvPr/>
-      </p:nvGrpSpPr>
-      <p:grpSpPr>
-        <a:xfrm>
-          <a:off x="0" y="0"/>
-          <a:ext cx="0" cy="0"/>
-          <a:chOff x="0" y="0"/>
-          <a:chExt cx="0" cy="0"/>
-        </a:xfrm>
-      </p:grpSpPr>
-      <p:sp>
-        <p:nvSpPr>
-          <p:cNvPr id="2" name="Title 1"/>
-          <p:cNvSpPr>
-            <a:spLocks noGrp="1"/>
-          </p:cNvSpPr>
-          <p:nvPr>
-            <p:ph type="title"/>
-          </p:nvPr>
-        </p:nvSpPr>
-        <p:spPr/>
-        <p:txBody>
-          <a:bodyPr/>
-          <a:lstStyle/>
-          <a:p>
-            <a:r>
-              <a:rPr lang="en-US" dirty="0"/>
-              <a:t>Destroy device file</a:t>
-            </a:r>
-          </a:p>
-        </p:txBody>
-      </p:sp>
-      <p:sp>
-        <p:nvSpPr>
-          <p:cNvPr id="3" name="Text Placeholder 2"/>
-          <p:cNvSpPr>
-            <a:spLocks noGrp="1"/>
-          </p:cNvSpPr>
-          <p:nvPr>
-            <p:ph idx="1"/>
-          </p:nvPr>
-        </p:nvSpPr>
-        <p:spPr/>
-        <p:txBody>
-          <a:bodyPr/>
-          <a:lstStyle/>
-          <a:p>
-            <a:pPr lvl="0"/>
-            <a:r>
-              <a:rPr lang="en-US" dirty="0" err="1" smtClean="0"/>
-              <a:t>cdev_del</a:t>
-            </a:r>
-            <a:endParaRPr lang="en-US" dirty="0" smtClean="0"/>
-          </a:p>
-          <a:p>
-            <a:pPr lvl="0"/>
-            <a:r>
-              <a:rPr lang="en-US" dirty="0" err="1" smtClean="0"/>
-              <a:t>device_destroy</a:t>
-            </a:r>
-            <a:endParaRPr lang="en-US" dirty="0" smtClean="0"/>
-          </a:p>
-          <a:p>
-            <a:pPr lvl="0"/>
-            <a:r>
-              <a:rPr lang="en-US" dirty="0" err="1" smtClean="0"/>
-              <a:t>class_destroy</a:t>
-            </a:r>
-            <a:endParaRPr lang="en-US" dirty="0" smtClean="0"/>
-          </a:p>
-          <a:p>
-            <a:pPr lvl="0"/>
-            <a:r>
-              <a:rPr lang="en-US" dirty="0" err="1"/>
-              <a:t>unregister_chrdev_region</a:t>
-            </a:r>
-            <a:endParaRPr lang="en-US" dirty="0"/>
-          </a:p>
-        </p:txBody>
-      </p:sp>
-    </p:spTree>
-    <p:extLst>
-      <p:ext uri="{BB962C8B-B14F-4D97-AF65-F5344CB8AC3E}">
-        <p14:creationId xmlns:p14="http://schemas.microsoft.com/office/powerpoint/2010/main" val="3904093559"/>
-      </p:ext>
-    </p:extLst>
-  </p:cSld>
-  <p:clrMapOvr>
-    <a:masterClrMapping/>
-  </p:clrMapOvr>
-</p:sld>
-</file>
-
 <file path=ppt/slides/slide13.xml><?xml version="1.0" encoding="utf-8"?>
 <p:sld xmlns:a="http://schemas.openxmlformats.org/drawingml/2006/main" xmlns:r="http://schemas.openxmlformats.org/officeDocument/2006/relationships" xmlns:p="http://schemas.openxmlformats.org/presentationml/2006/main">
   <p:cSld>
@@ -4717,162 +4943,67 @@
           <a:lstStyle/>
           <a:p>
             <a:r>
-              <a:rPr lang="en-US" sz="3200" dirty="0"/>
-              <a:t>Compare create and destroy a device</a:t>
-            </a:r>
-          </a:p>
-        </p:txBody>
-      </p:sp>
-      <p:sp>
-        <p:nvSpPr>
-          <p:cNvPr id="5" name="Text Placeholder 4"/>
-          <p:cNvSpPr>
-            <a:spLocks noGrp="1"/>
-          </p:cNvSpPr>
-          <p:nvPr>
-            <p:ph type="body" idx="1"/>
-          </p:nvPr>
-        </p:nvSpPr>
-        <p:spPr/>
-        <p:txBody>
-          <a:bodyPr/>
-          <a:lstStyle/>
-          <a:p>
-            <a:r>
-              <a:rPr lang="en-US" dirty="0"/>
+              <a:rPr lang="en-US"/>
+              <a:t>Basic steps of character driver</a:t>
+            </a:r>
+          </a:p>
+        </p:txBody>
+      </p:sp>
+      <p:sp>
+        <p:nvSpPr>
+          <p:cNvPr id="3" name="Text Placeholder 2"/>
+          <p:cNvSpPr>
+            <a:spLocks noGrp="1"/>
+          </p:cNvSpPr>
+          <p:nvPr>
+            <p:ph idx="1"/>
+          </p:nvPr>
+        </p:nvSpPr>
+        <p:spPr/>
+        <p:txBody>
+          <a:bodyPr/>
+          <a:lstStyle/>
+          <a:p>
+            <a:pPr lvl="0"/>
+            <a:r>
+              <a:rPr lang="en-US"/>
+              <a:t>Define file operation</a:t>
+            </a:r>
+          </a:p>
+          <a:p>
+            <a:pPr lvl="0"/>
+            <a:r>
+              <a:rPr lang="en-US"/>
+              <a:t>Define other interface</a:t>
+            </a:r>
+          </a:p>
+          <a:p>
+            <a:pPr lvl="0"/>
+            <a:r>
+              <a:rPr lang="en-US"/>
+              <a:t>Initialize private resource</a:t>
+            </a:r>
+          </a:p>
+          <a:p>
+            <a:pPr lvl="0"/>
+            <a:r>
+              <a:rPr lang="en-US"/>
               <a:t>Create device file</a:t>
             </a:r>
           </a:p>
-        </p:txBody>
-      </p:sp>
-      <p:sp>
-        <p:nvSpPr>
-          <p:cNvPr id="6" name="Content Placeholder 5"/>
-          <p:cNvSpPr>
-            <a:spLocks noGrp="1"/>
-          </p:cNvSpPr>
-          <p:nvPr>
-            <p:ph sz="half" idx="2"/>
-          </p:nvPr>
-        </p:nvSpPr>
-        <p:spPr/>
-        <p:txBody>
-          <a:bodyPr/>
-          <a:lstStyle/>
           <a:p>
             <a:pPr lvl="0"/>
             <a:r>
-              <a:rPr lang="en-US" dirty="0" err="1"/>
-              <a:t>alloc_chrdev_region</a:t>
-            </a:r>
-            <a:endParaRPr lang="en-US" dirty="0"/>
-          </a:p>
-          <a:p>
-            <a:pPr lvl="0"/>
-            <a:r>
-              <a:rPr lang="en-US" dirty="0" err="1"/>
-              <a:t>class_create</a:t>
-            </a:r>
-            <a:endParaRPr lang="en-US" dirty="0"/>
-          </a:p>
-          <a:p>
-            <a:pPr lvl="0"/>
-            <a:r>
-              <a:rPr lang="en-US" dirty="0" err="1"/>
-              <a:t>device_create</a:t>
-            </a:r>
-            <a:endParaRPr lang="en-US" dirty="0"/>
-          </a:p>
-          <a:p>
-            <a:pPr lvl="0"/>
-            <a:r>
-              <a:rPr lang="en-US" dirty="0" err="1"/>
-              <a:t>cdev_init</a:t>
-            </a:r>
-            <a:endParaRPr lang="en-US" dirty="0"/>
-          </a:p>
-          <a:p>
-            <a:pPr lvl="0"/>
-            <a:r>
-              <a:rPr lang="en-US" dirty="0" err="1"/>
-              <a:t>cdev_add</a:t>
-            </a:r>
-            <a:endParaRPr lang="en-US" dirty="0"/>
-          </a:p>
-        </p:txBody>
-      </p:sp>
-      <p:sp>
-        <p:nvSpPr>
-          <p:cNvPr id="7" name="Text Placeholder 6"/>
-          <p:cNvSpPr>
-            <a:spLocks noGrp="1"/>
-          </p:cNvSpPr>
-          <p:nvPr>
-            <p:ph type="body" sz="quarter" idx="3"/>
-          </p:nvPr>
-        </p:nvSpPr>
-        <p:spPr/>
-        <p:txBody>
-          <a:bodyPr/>
-          <a:lstStyle/>
-          <a:p>
-            <a:r>
-              <a:rPr lang="en-US" dirty="0"/>
-              <a:t>Destroy device file</a:t>
-            </a:r>
-          </a:p>
-        </p:txBody>
-      </p:sp>
-      <p:sp>
-        <p:nvSpPr>
-          <p:cNvPr id="8" name="Content Placeholder 7"/>
-          <p:cNvSpPr>
-            <a:spLocks noGrp="1"/>
-          </p:cNvSpPr>
-          <p:nvPr>
-            <p:ph sz="quarter" idx="4"/>
-          </p:nvPr>
-        </p:nvSpPr>
-        <p:spPr/>
-        <p:txBody>
-          <a:bodyPr/>
-          <a:lstStyle/>
-          <a:p>
-            <a:r>
-              <a:rPr lang="en-US" dirty="0" err="1" smtClean="0"/>
-              <a:t>unregister_chrdev_region</a:t>
-            </a:r>
-            <a:endParaRPr lang="en-US" dirty="0" smtClean="0"/>
-          </a:p>
-          <a:p>
-            <a:pPr lvl="0"/>
-            <a:r>
-              <a:rPr lang="en-US" dirty="0" err="1" smtClean="0"/>
-              <a:t>class_destroy</a:t>
-            </a:r>
-            <a:endParaRPr lang="en-US" dirty="0" smtClean="0"/>
-          </a:p>
-          <a:p>
-            <a:r>
-              <a:rPr lang="en-US" dirty="0" err="1" smtClean="0"/>
-              <a:t>device_destroy</a:t>
-            </a:r>
-            <a:endParaRPr lang="en-US" dirty="0" smtClean="0"/>
-          </a:p>
-          <a:p>
-            <a:pPr lvl="0"/>
-            <a:r>
-              <a:rPr lang="en-US" dirty="0" err="1" smtClean="0"/>
-              <a:t>cdev_del</a:t>
-            </a:r>
-            <a:endParaRPr lang="en-US" dirty="0"/>
+              <a:rPr lang="en-US"/>
+              <a:t>Register file operation and other interface</a:t>
+            </a:r>
           </a:p>
         </p:txBody>
       </p:sp>
     </p:spTree>
     <p:extLst>
       <p:ext uri="{BB962C8B-B14F-4D97-AF65-F5344CB8AC3E}">
-        <p14:creationId xmlns:p14="http://schemas.microsoft.com/office/powerpoint/2010/main" val="2793926559"/>
+        <p14:creationId xmlns:p14="http://schemas.microsoft.com/office/powerpoint/2010/main" val="2010902798"/>
       </p:ext>
     </p:extLst>
   </p:cSld>
@@ -4906,7 +5037,7 @@
             <a:spLocks noGrp="1"/>
           </p:cNvSpPr>
           <p:nvPr>
-            <p:ph type="ctrTitle"/>
+            <p:ph type="title"/>
           </p:nvPr>
         </p:nvSpPr>
         <p:spPr/>
@@ -4916,26 +5047,55 @@
           <a:p>
             <a:r>
               <a:rPr lang="en-US" dirty="0"/>
-              <a:t>Example code</a:t>
-            </a:r>
-          </a:p>
-        </p:txBody>
-      </p:sp>
-      <p:sp>
-        <p:nvSpPr>
-          <p:cNvPr id="6" name="Subtitle 5"/>
-          <p:cNvSpPr>
-            <a:spLocks noGrp="1"/>
-          </p:cNvSpPr>
-          <p:nvPr>
-            <p:ph type="subTitle" idx="1"/>
-          </p:nvPr>
-        </p:nvSpPr>
-        <p:spPr/>
-        <p:txBody>
-          <a:bodyPr/>
-          <a:lstStyle/>
-          <a:p>
+              <a:t>Destroy device file</a:t>
+            </a:r>
+          </a:p>
+        </p:txBody>
+      </p:sp>
+      <p:sp>
+        <p:nvSpPr>
+          <p:cNvPr id="3" name="Text Placeholder 2"/>
+          <p:cNvSpPr>
+            <a:spLocks noGrp="1"/>
+          </p:cNvSpPr>
+          <p:nvPr>
+            <p:ph idx="1"/>
+          </p:nvPr>
+        </p:nvSpPr>
+        <p:spPr/>
+        <p:txBody>
+          <a:bodyPr/>
+          <a:lstStyle/>
+          <a:p>
+            <a:pPr lvl="0"/>
+            <a:r>
+              <a:rPr lang="en-US" dirty="0" err="1" smtClean="0"/>
+              <a:t>cdev_del</a:t>
+            </a:r>
+            <a:endParaRPr lang="en-US" dirty="0" smtClean="0"/>
+          </a:p>
+          <a:p>
+            <a:pPr lvl="0"/>
+            <a:r>
+              <a:rPr lang="en-US" dirty="0" err="1" smtClean="0"/>
+              <a:t>device_destroy</a:t>
+            </a:r>
+            <a:endParaRPr lang="en-US" dirty="0" smtClean="0"/>
+          </a:p>
+          <a:p>
+            <a:pPr lvl="0"/>
+            <a:r>
+              <a:rPr lang="en-US" dirty="0" err="1" smtClean="0"/>
+              <a:t>class_destroy</a:t>
+            </a:r>
+            <a:endParaRPr lang="en-US" dirty="0" smtClean="0"/>
+          </a:p>
+          <a:p>
+            <a:pPr lvl="0"/>
+            <a:r>
+              <a:rPr lang="en-US" dirty="0" err="1"/>
+              <a:t>unregister_chrdev_region</a:t>
+            </a:r>
             <a:endParaRPr lang="en-US" dirty="0"/>
           </a:p>
         </p:txBody>
@@ -4943,7 +5103,7 @@
     </p:spTree>
     <p:extLst>
       <p:ext uri="{BB962C8B-B14F-4D97-AF65-F5344CB8AC3E}">
-        <p14:creationId xmlns:p14="http://schemas.microsoft.com/office/powerpoint/2010/main" val="4287086353"/>
+        <p14:creationId xmlns:p14="http://schemas.microsoft.com/office/powerpoint/2010/main" val="3904093559"/>
       </p:ext>
     </p:extLst>
   </p:cSld>
@@ -4986,186 +5146,145 @@
           <a:lstStyle/>
           <a:p>
             <a:r>
-              <a:rPr lang="en-US"/>
-              <a:t>Practice</a:t>
-            </a:r>
-          </a:p>
-        </p:txBody>
-      </p:sp>
-      <p:sp>
-        <p:nvSpPr>
-          <p:cNvPr id="4" name="Content Placeholder 3"/>
-          <p:cNvSpPr>
-            <a:spLocks noGrp="1"/>
-          </p:cNvSpPr>
-          <p:nvPr>
-            <p:ph idx="1"/>
-          </p:nvPr>
-        </p:nvSpPr>
-        <p:spPr/>
-        <p:txBody>
-          <a:bodyPr/>
-          <a:lstStyle/>
-          <a:p>
-            <a:r>
-              <a:rPr lang="en-US" dirty="0" err="1" smtClean="0"/>
-              <a:t>Viết</a:t>
-            </a:r>
-            <a:r>
-              <a:rPr lang="en-US" dirty="0" smtClean="0"/>
-              <a:t> 1 driver </a:t>
-            </a:r>
-            <a:r>
-              <a:rPr lang="en-US" dirty="0" err="1" smtClean="0"/>
-              <a:t>tạo</a:t>
-            </a:r>
-            <a:r>
-              <a:rPr lang="en-US" dirty="0" smtClean="0"/>
-              <a:t> </a:t>
-            </a:r>
-            <a:r>
-              <a:rPr lang="en-US" dirty="0" err="1" smtClean="0"/>
-              <a:t>ra</a:t>
-            </a:r>
-            <a:r>
-              <a:rPr lang="en-US" dirty="0" smtClean="0"/>
-              <a:t> device file có </a:t>
-            </a:r>
-            <a:r>
-              <a:rPr lang="en-US" dirty="0" err="1" smtClean="0"/>
-              <a:t>tên</a:t>
-            </a:r>
-            <a:r>
-              <a:rPr lang="en-US" dirty="0" smtClean="0"/>
-              <a:t> /dev/</a:t>
-            </a:r>
-            <a:r>
-              <a:rPr lang="en-US" dirty="0" err="1" smtClean="0"/>
-              <a:t>sample_led</a:t>
-            </a:r>
-            <a:r>
-              <a:rPr lang="en-US" dirty="0" smtClean="0"/>
-              <a:t>. </a:t>
-            </a:r>
-            <a:r>
-              <a:rPr lang="en-US" dirty="0" err="1" smtClean="0"/>
-              <a:t>Mỗi</a:t>
-            </a:r>
-            <a:r>
-              <a:rPr lang="en-US" dirty="0" smtClean="0"/>
-              <a:t> </a:t>
-            </a:r>
-            <a:r>
-              <a:rPr lang="en-US" dirty="0" err="1" smtClean="0"/>
-              <a:t>khi</a:t>
-            </a:r>
-            <a:r>
-              <a:rPr lang="en-US" dirty="0" smtClean="0"/>
-              <a:t> user </a:t>
-            </a:r>
-            <a:r>
-              <a:rPr lang="en-US" dirty="0" err="1" smtClean="0"/>
-              <a:t>ghi</a:t>
-            </a:r>
-            <a:r>
-              <a:rPr lang="en-US" dirty="0" smtClean="0"/>
-              <a:t> 1 </a:t>
-            </a:r>
-            <a:r>
-              <a:rPr lang="en-US" dirty="0" err="1" smtClean="0"/>
-              <a:t>vào</a:t>
-            </a:r>
-            <a:r>
-              <a:rPr lang="en-US" dirty="0" smtClean="0"/>
-              <a:t> device file </a:t>
-            </a:r>
-            <a:r>
-              <a:rPr lang="en-US" dirty="0" err="1" smtClean="0"/>
-              <a:t>thì</a:t>
-            </a:r>
-            <a:r>
-              <a:rPr lang="en-US" dirty="0" smtClean="0"/>
-              <a:t> led sáng, user </a:t>
-            </a:r>
-            <a:r>
-              <a:rPr lang="en-US" dirty="0" err="1" smtClean="0"/>
-              <a:t>ghi</a:t>
-            </a:r>
-            <a:r>
-              <a:rPr lang="en-US" dirty="0" smtClean="0"/>
-              <a:t> 0 </a:t>
-            </a:r>
-            <a:r>
-              <a:rPr lang="en-US" dirty="0" err="1" smtClean="0"/>
-              <a:t>vào</a:t>
-            </a:r>
-            <a:r>
-              <a:rPr lang="en-US" dirty="0" smtClean="0"/>
-              <a:t> </a:t>
-            </a:r>
-            <a:r>
-              <a:rPr lang="en-US" dirty="0" err="1" smtClean="0"/>
-              <a:t>thì</a:t>
-            </a:r>
-            <a:r>
-              <a:rPr lang="en-US" dirty="0" smtClean="0"/>
-              <a:t> led </a:t>
-            </a:r>
-            <a:r>
-              <a:rPr lang="en-US" dirty="0" err="1" smtClean="0"/>
-              <a:t>tắt</a:t>
-            </a:r>
-            <a:r>
-              <a:rPr lang="en-US" dirty="0" smtClean="0"/>
-              <a:t>. Nếu led </a:t>
-            </a:r>
-            <a:r>
-              <a:rPr lang="en-US" dirty="0" err="1" smtClean="0"/>
-              <a:t>đang</a:t>
-            </a:r>
-            <a:r>
-              <a:rPr lang="en-US" dirty="0" smtClean="0"/>
-              <a:t> sáng, </a:t>
-            </a:r>
-            <a:r>
-              <a:rPr lang="en-US" dirty="0" err="1" smtClean="0"/>
-              <a:t>đọc</a:t>
-            </a:r>
-            <a:r>
-              <a:rPr lang="en-US" dirty="0" smtClean="0"/>
-              <a:t> file sẽ </a:t>
-            </a:r>
-            <a:r>
-              <a:rPr lang="en-US" dirty="0" err="1" smtClean="0"/>
-              <a:t>trả</a:t>
-            </a:r>
-            <a:r>
-              <a:rPr lang="en-US" dirty="0" smtClean="0"/>
-              <a:t> về 1, led </a:t>
-            </a:r>
-            <a:r>
-              <a:rPr lang="en-US" dirty="0" err="1" smtClean="0"/>
-              <a:t>tắt</a:t>
-            </a:r>
-            <a:r>
-              <a:rPr lang="en-US" dirty="0" smtClean="0"/>
-              <a:t> </a:t>
-            </a:r>
-            <a:r>
-              <a:rPr lang="en-US" dirty="0" err="1" smtClean="0"/>
-              <a:t>đọc</a:t>
-            </a:r>
-            <a:r>
-              <a:rPr lang="en-US" dirty="0" smtClean="0"/>
-              <a:t> file sẽ </a:t>
-            </a:r>
-            <a:r>
-              <a:rPr lang="en-US" dirty="0" err="1" smtClean="0"/>
-              <a:t>trả</a:t>
-            </a:r>
-            <a:r>
-              <a:rPr lang="en-US" dirty="0" smtClean="0"/>
-              <a:t> về 0.</a:t>
+              <a:rPr lang="en-US" sz="3200" dirty="0"/>
+              <a:t>Compare create and destroy a device</a:t>
+            </a:r>
+          </a:p>
+        </p:txBody>
+      </p:sp>
+      <p:sp>
+        <p:nvSpPr>
+          <p:cNvPr id="5" name="Text Placeholder 4"/>
+          <p:cNvSpPr>
+            <a:spLocks noGrp="1"/>
+          </p:cNvSpPr>
+          <p:nvPr>
+            <p:ph type="body" idx="1"/>
+          </p:nvPr>
+        </p:nvSpPr>
+        <p:spPr/>
+        <p:txBody>
+          <a:bodyPr/>
+          <a:lstStyle/>
+          <a:p>
+            <a:r>
+              <a:rPr lang="en-US" dirty="0"/>
+              <a:t>Create device file</a:t>
+            </a:r>
+          </a:p>
+        </p:txBody>
+      </p:sp>
+      <p:sp>
+        <p:nvSpPr>
+          <p:cNvPr id="6" name="Content Placeholder 5"/>
+          <p:cNvSpPr>
+            <a:spLocks noGrp="1"/>
+          </p:cNvSpPr>
+          <p:nvPr>
+            <p:ph sz="half" idx="2"/>
+          </p:nvPr>
+        </p:nvSpPr>
+        <p:spPr/>
+        <p:txBody>
+          <a:bodyPr/>
+          <a:lstStyle/>
+          <a:p>
+            <a:pPr lvl="0"/>
+            <a:r>
+              <a:rPr lang="en-US" dirty="0" err="1"/>
+              <a:t>alloc_chrdev_region</a:t>
+            </a:r>
+            <a:endParaRPr lang="en-US" dirty="0"/>
+          </a:p>
+          <a:p>
+            <a:pPr lvl="0"/>
+            <a:r>
+              <a:rPr lang="en-US" dirty="0" err="1"/>
+              <a:t>class_create</a:t>
+            </a:r>
+            <a:endParaRPr lang="en-US" dirty="0"/>
+          </a:p>
+          <a:p>
+            <a:pPr lvl="0"/>
+            <a:r>
+              <a:rPr lang="en-US" dirty="0" err="1"/>
+              <a:t>device_create</a:t>
+            </a:r>
+            <a:endParaRPr lang="en-US" dirty="0"/>
+          </a:p>
+          <a:p>
+            <a:pPr lvl="0"/>
+            <a:r>
+              <a:rPr lang="en-US" dirty="0" err="1" smtClean="0"/>
+              <a:t>cdev_add</a:t>
+            </a:r>
+            <a:endParaRPr lang="en-US" dirty="0"/>
+          </a:p>
+        </p:txBody>
+      </p:sp>
+      <p:sp>
+        <p:nvSpPr>
+          <p:cNvPr id="7" name="Text Placeholder 6"/>
+          <p:cNvSpPr>
+            <a:spLocks noGrp="1"/>
+          </p:cNvSpPr>
+          <p:nvPr>
+            <p:ph type="body" sz="quarter" idx="3"/>
+          </p:nvPr>
+        </p:nvSpPr>
+        <p:spPr/>
+        <p:txBody>
+          <a:bodyPr/>
+          <a:lstStyle/>
+          <a:p>
+            <a:r>
+              <a:rPr lang="en-US" dirty="0"/>
+              <a:t>Destroy device file</a:t>
+            </a:r>
+          </a:p>
+        </p:txBody>
+      </p:sp>
+      <p:sp>
+        <p:nvSpPr>
+          <p:cNvPr id="8" name="Content Placeholder 7"/>
+          <p:cNvSpPr>
+            <a:spLocks noGrp="1"/>
+          </p:cNvSpPr>
+          <p:nvPr>
+            <p:ph sz="quarter" idx="4"/>
+          </p:nvPr>
+        </p:nvSpPr>
+        <p:spPr/>
+        <p:txBody>
+          <a:bodyPr/>
+          <a:lstStyle/>
+          <a:p>
+            <a:r>
+              <a:rPr lang="en-US" dirty="0" err="1" smtClean="0"/>
+              <a:t>unregister_chrdev_region</a:t>
+            </a:r>
+            <a:endParaRPr lang="en-US" dirty="0" smtClean="0"/>
+          </a:p>
+          <a:p>
+            <a:pPr lvl="0"/>
+            <a:r>
+              <a:rPr lang="en-US" dirty="0" err="1" smtClean="0"/>
+              <a:t>class_destroy</a:t>
+            </a:r>
+            <a:endParaRPr lang="en-US" dirty="0" smtClean="0"/>
+          </a:p>
+          <a:p>
+            <a:r>
+              <a:rPr lang="en-US" dirty="0" err="1" smtClean="0"/>
+              <a:t>device_destroy</a:t>
+            </a:r>
+            <a:endParaRPr lang="en-US" dirty="0" smtClean="0"/>
+          </a:p>
+          <a:p>
+            <a:pPr lvl="0"/>
+            <a:r>
+              <a:rPr lang="en-US" dirty="0" err="1" smtClean="0"/>
+              <a:t>cdev_del</a:t>
             </a:r>
             <a:endParaRPr lang="en-US" dirty="0"/>
           </a:p>
@@ -5174,7 +5293,7 @@
     </p:spTree>
     <p:extLst>
       <p:ext uri="{BB962C8B-B14F-4D97-AF65-F5344CB8AC3E}">
-        <p14:creationId xmlns:p14="http://schemas.microsoft.com/office/powerpoint/2010/main" val="3255966701"/>
+        <p14:creationId xmlns:p14="http://schemas.microsoft.com/office/powerpoint/2010/main" val="2793926559"/>
       </p:ext>
     </p:extLst>
   </p:cSld>
@@ -5208,76 +5327,44 @@
             <a:spLocks noGrp="1"/>
           </p:cNvSpPr>
           <p:nvPr>
-            <p:ph type="title"/>
-          </p:nvPr>
-        </p:nvSpPr>
-        <p:spPr/>
-        <p:txBody>
-          <a:bodyPr/>
-          <a:lstStyle/>
-          <a:p>
-            <a:r>
-              <a:rPr lang="en-US"/>
-              <a:t>Ioctl</a:t>
-            </a:r>
-          </a:p>
-        </p:txBody>
-      </p:sp>
-      <p:sp>
-        <p:nvSpPr>
-          <p:cNvPr id="3" name="Text Placeholder 2"/>
-          <p:cNvSpPr>
-            <a:spLocks noGrp="1"/>
-          </p:cNvSpPr>
-          <p:nvPr>
-            <p:ph idx="1"/>
-          </p:nvPr>
-        </p:nvSpPr>
-        <p:spPr/>
-        <p:txBody>
-          <a:bodyPr/>
-          <a:lstStyle/>
-          <a:p>
-            <a:pPr lvl="0"/>
-            <a:r>
-              <a:rPr lang="en-US"/>
-              <a:t>Driver code</a:t>
-            </a:r>
-          </a:p>
-          <a:p>
-            <a:pPr lvl="1"/>
-            <a:r>
-              <a:rPr lang="en-US"/>
-              <a:t>static long dev_ioctl(struct file *filep, unsigned int cmd, unsigned long arg)</a:t>
-            </a:r>
-          </a:p>
-          <a:p>
-            <a:pPr lvl="0"/>
-            <a:r>
-              <a:rPr lang="en-US"/>
-              <a:t>User space code</a:t>
-            </a:r>
-          </a:p>
-          <a:p>
-            <a:pPr lvl="1"/>
-            <a:r>
-              <a:rPr lang="en-US"/>
-              <a:t>#include &lt;sys/ioctl.h&gt;</a:t>
-            </a:r>
-          </a:p>
-          <a:p>
-            <a:pPr lvl="1"/>
-            <a:r>
-              <a:rPr lang="en-US"/>
-              <a:t>int ioctl(int fd, unsigned long request, ...);</a:t>
-            </a:r>
+            <p:ph type="ctrTitle"/>
+          </p:nvPr>
+        </p:nvSpPr>
+        <p:spPr/>
+        <p:txBody>
+          <a:bodyPr/>
+          <a:lstStyle/>
+          <a:p>
+            <a:r>
+              <a:rPr lang="en-US" dirty="0"/>
+              <a:t>Example code</a:t>
+            </a:r>
+          </a:p>
+        </p:txBody>
+      </p:sp>
+      <p:sp>
+        <p:nvSpPr>
+          <p:cNvPr id="6" name="Subtitle 5"/>
+          <p:cNvSpPr>
+            <a:spLocks noGrp="1"/>
+          </p:cNvSpPr>
+          <p:nvPr>
+            <p:ph type="subTitle" idx="1"/>
+          </p:nvPr>
+        </p:nvSpPr>
+        <p:spPr/>
+        <p:txBody>
+          <a:bodyPr/>
+          <a:lstStyle/>
+          <a:p>
+            <a:endParaRPr lang="en-US" dirty="0"/>
           </a:p>
         </p:txBody>
       </p:sp>
     </p:spTree>
     <p:extLst>
       <p:ext uri="{BB962C8B-B14F-4D97-AF65-F5344CB8AC3E}">
-        <p14:creationId xmlns:p14="http://schemas.microsoft.com/office/powerpoint/2010/main" val="2860257507"/>
+        <p14:creationId xmlns:p14="http://schemas.microsoft.com/office/powerpoint/2010/main" val="4287086353"/>
       </p:ext>
     </p:extLst>
   </p:cSld>
@@ -5311,7 +5398,7 @@
             <a:spLocks noGrp="1"/>
           </p:cNvSpPr>
           <p:nvPr>
-            <p:ph type="ctrTitle"/>
+            <p:ph type="title"/>
           </p:nvPr>
         </p:nvSpPr>
         <p:spPr/>
@@ -5321,34 +5408,194 @@
           <a:p>
             <a:r>
               <a:rPr lang="en-US"/>
-              <a:t>Example code</a:t>
-            </a:r>
-          </a:p>
-        </p:txBody>
-      </p:sp>
-      <p:sp>
-        <p:nvSpPr>
-          <p:cNvPr id="5" name="Subtitle 4"/>
-          <p:cNvSpPr>
-            <a:spLocks noGrp="1"/>
-          </p:cNvSpPr>
-          <p:nvPr>
-            <p:ph type="subTitle" idx="1"/>
-          </p:nvPr>
-        </p:nvSpPr>
-        <p:spPr/>
-        <p:txBody>
-          <a:bodyPr/>
-          <a:lstStyle/>
-          <a:p>
-            <a:endParaRPr lang="en-US"/>
+              <a:t>Practice</a:t>
+            </a:r>
+          </a:p>
+        </p:txBody>
+      </p:sp>
+      <p:sp>
+        <p:nvSpPr>
+          <p:cNvPr id="4" name="Content Placeholder 3"/>
+          <p:cNvSpPr>
+            <a:spLocks noGrp="1"/>
+          </p:cNvSpPr>
+          <p:nvPr>
+            <p:ph idx="1"/>
+          </p:nvPr>
+        </p:nvSpPr>
+        <p:spPr/>
+        <p:txBody>
+          <a:bodyPr/>
+          <a:lstStyle/>
+          <a:p>
+            <a:r>
+              <a:rPr lang="en-US" dirty="0" err="1" smtClean="0"/>
+              <a:t>Viết</a:t>
+            </a:r>
+            <a:r>
+              <a:rPr lang="en-US" dirty="0" smtClean="0"/>
+              <a:t> 1 driver </a:t>
+            </a:r>
+            <a:r>
+              <a:rPr lang="en-US" dirty="0" err="1" smtClean="0"/>
+              <a:t>tạo</a:t>
+            </a:r>
+            <a:r>
+              <a:rPr lang="en-US" dirty="0" smtClean="0"/>
+              <a:t> </a:t>
+            </a:r>
+            <a:r>
+              <a:rPr lang="en-US" dirty="0" err="1" smtClean="0"/>
+              <a:t>ra</a:t>
+            </a:r>
+            <a:r>
+              <a:rPr lang="en-US" dirty="0" smtClean="0"/>
+              <a:t> device file có </a:t>
+            </a:r>
+            <a:r>
+              <a:rPr lang="en-US" dirty="0" err="1" smtClean="0"/>
+              <a:t>tên</a:t>
+            </a:r>
+            <a:r>
+              <a:rPr lang="en-US" dirty="0" smtClean="0"/>
+              <a:t> /dev/</a:t>
+            </a:r>
+            <a:r>
+              <a:rPr lang="en-US" dirty="0" err="1" smtClean="0"/>
+              <a:t>sample_led</a:t>
+            </a:r>
+            <a:r>
+              <a:rPr lang="en-US" dirty="0" smtClean="0"/>
+              <a:t>. </a:t>
+            </a:r>
+            <a:r>
+              <a:rPr lang="en-US" dirty="0" err="1" smtClean="0"/>
+              <a:t>Mỗi</a:t>
+            </a:r>
+            <a:r>
+              <a:rPr lang="en-US" dirty="0" smtClean="0"/>
+              <a:t> </a:t>
+            </a:r>
+            <a:r>
+              <a:rPr lang="en-US" dirty="0" err="1" smtClean="0"/>
+              <a:t>khi</a:t>
+            </a:r>
+            <a:r>
+              <a:rPr lang="en-US" dirty="0" smtClean="0"/>
+              <a:t> user </a:t>
+            </a:r>
+            <a:r>
+              <a:rPr lang="en-US" dirty="0" err="1" smtClean="0"/>
+              <a:t>ghi</a:t>
+            </a:r>
+            <a:r>
+              <a:rPr lang="en-US" dirty="0" smtClean="0"/>
+              <a:t> 1 </a:t>
+            </a:r>
+            <a:r>
+              <a:rPr lang="en-US" dirty="0" err="1" smtClean="0"/>
+              <a:t>vào</a:t>
+            </a:r>
+            <a:r>
+              <a:rPr lang="en-US" dirty="0" smtClean="0"/>
+              <a:t> device file </a:t>
+            </a:r>
+            <a:r>
+              <a:rPr lang="en-US" dirty="0" err="1" smtClean="0"/>
+              <a:t>thì</a:t>
+            </a:r>
+            <a:r>
+              <a:rPr lang="en-US" dirty="0" smtClean="0"/>
+              <a:t> led sáng, user </a:t>
+            </a:r>
+            <a:r>
+              <a:rPr lang="en-US" dirty="0" err="1" smtClean="0"/>
+              <a:t>ghi</a:t>
+            </a:r>
+            <a:r>
+              <a:rPr lang="en-US" dirty="0" smtClean="0"/>
+              <a:t> 0 </a:t>
+            </a:r>
+            <a:r>
+              <a:rPr lang="en-US" dirty="0" err="1" smtClean="0"/>
+              <a:t>vào</a:t>
+            </a:r>
+            <a:r>
+              <a:rPr lang="en-US" dirty="0" smtClean="0"/>
+              <a:t> </a:t>
+            </a:r>
+            <a:r>
+              <a:rPr lang="en-US" dirty="0" err="1" smtClean="0"/>
+              <a:t>thì</a:t>
+            </a:r>
+            <a:r>
+              <a:rPr lang="en-US" dirty="0" smtClean="0"/>
+              <a:t> led </a:t>
+            </a:r>
+            <a:r>
+              <a:rPr lang="en-US" dirty="0" err="1" smtClean="0"/>
+              <a:t>tắt</a:t>
+            </a:r>
+            <a:r>
+              <a:rPr lang="en-US" dirty="0" smtClean="0"/>
+              <a:t>. Nếu led </a:t>
+            </a:r>
+            <a:r>
+              <a:rPr lang="en-US" dirty="0" err="1" smtClean="0"/>
+              <a:t>đang</a:t>
+            </a:r>
+            <a:r>
+              <a:rPr lang="en-US" dirty="0" smtClean="0"/>
+              <a:t> sáng, </a:t>
+            </a:r>
+            <a:r>
+              <a:rPr lang="en-US" dirty="0" err="1" smtClean="0"/>
+              <a:t>đọc</a:t>
+            </a:r>
+            <a:r>
+              <a:rPr lang="en-US" dirty="0" smtClean="0"/>
+              <a:t> file sẽ </a:t>
+            </a:r>
+            <a:r>
+              <a:rPr lang="en-US" dirty="0" err="1" smtClean="0"/>
+              <a:t>trả</a:t>
+            </a:r>
+            <a:r>
+              <a:rPr lang="en-US" dirty="0" smtClean="0"/>
+              <a:t> về 1, led </a:t>
+            </a:r>
+            <a:r>
+              <a:rPr lang="en-US" dirty="0" err="1" smtClean="0"/>
+              <a:t>tắt</a:t>
+            </a:r>
+            <a:r>
+              <a:rPr lang="en-US" dirty="0" smtClean="0"/>
+              <a:t> </a:t>
+            </a:r>
+            <a:r>
+              <a:rPr lang="en-US" dirty="0" err="1" smtClean="0"/>
+              <a:t>đọc</a:t>
+            </a:r>
+            <a:r>
+              <a:rPr lang="en-US" dirty="0" smtClean="0"/>
+              <a:t> file sẽ </a:t>
+            </a:r>
+            <a:r>
+              <a:rPr lang="en-US" dirty="0" err="1" smtClean="0"/>
+              <a:t>trả</a:t>
+            </a:r>
+            <a:r>
+              <a:rPr lang="en-US" dirty="0" smtClean="0"/>
+              <a:t> về 0.</a:t>
+            </a:r>
+            <a:endParaRPr lang="en-US" dirty="0"/>
           </a:p>
         </p:txBody>
       </p:sp>
     </p:spTree>
     <p:extLst>
       <p:ext uri="{BB962C8B-B14F-4D97-AF65-F5344CB8AC3E}">
-        <p14:creationId xmlns:p14="http://schemas.microsoft.com/office/powerpoint/2010/main" val="1458888621"/>
+        <p14:creationId xmlns:p14="http://schemas.microsoft.com/office/powerpoint/2010/main" val="3255966701"/>
       </p:ext>
     </p:extLst>
   </p:cSld>
@@ -5392,14 +5639,14 @@
           <a:p>
             <a:r>
               <a:rPr lang="en-US"/>
-              <a:t>Home work</a:t>
-            </a:r>
-          </a:p>
-        </p:txBody>
-      </p:sp>
-      <p:sp>
-        <p:nvSpPr>
-          <p:cNvPr id="4" name="Content Placeholder 3"/>
+              <a:t>Ioctl</a:t>
+            </a:r>
+          </a:p>
+        </p:txBody>
+      </p:sp>
+      <p:sp>
+        <p:nvSpPr>
+          <p:cNvPr id="3" name="Text Placeholder 2"/>
           <p:cNvSpPr>
             <a:spLocks noGrp="1"/>
           </p:cNvSpPr>
@@ -5412,320 +5659,46 @@
           <a:bodyPr/>
           <a:lstStyle/>
           <a:p>
-            <a:r>
-              <a:rPr lang="en-US" dirty="0" err="1" smtClean="0"/>
-              <a:t>Viết</a:t>
-            </a:r>
-            <a:r>
-              <a:rPr lang="en-US" dirty="0" smtClean="0"/>
-              <a:t> 1 </a:t>
-            </a:r>
-            <a:r>
-              <a:rPr lang="en-US" dirty="0" err="1" smtClean="0"/>
-              <a:t>cặp</a:t>
-            </a:r>
-            <a:r>
-              <a:rPr lang="en-US" dirty="0" smtClean="0"/>
-              <a:t> </a:t>
-            </a:r>
-            <a:r>
-              <a:rPr lang="en-US" dirty="0" err="1" smtClean="0"/>
-              <a:t>ioctl</a:t>
-            </a:r>
-            <a:r>
-              <a:rPr lang="en-US" dirty="0" smtClean="0"/>
-              <a:t> tương </a:t>
-            </a:r>
-            <a:r>
-              <a:rPr lang="en-US" dirty="0" err="1" smtClean="0"/>
-              <a:t>ứng</a:t>
-            </a:r>
-            <a:r>
-              <a:rPr lang="en-US" dirty="0" smtClean="0"/>
-              <a:t> </a:t>
-            </a:r>
-            <a:r>
-              <a:rPr lang="en-US" dirty="0" err="1" smtClean="0"/>
-              <a:t>giữa</a:t>
-            </a:r>
-            <a:r>
-              <a:rPr lang="en-US" dirty="0" smtClean="0"/>
-              <a:t> driver và application. User có thể </a:t>
-            </a:r>
-            <a:r>
-              <a:rPr lang="en-US" dirty="0" err="1" smtClean="0"/>
-              <a:t>truyền</a:t>
-            </a:r>
-            <a:r>
-              <a:rPr lang="en-US" dirty="0" smtClean="0"/>
-              <a:t> command </a:t>
-            </a:r>
-            <a:r>
-              <a:rPr lang="en-US" dirty="0" err="1" smtClean="0"/>
-              <a:t>xuống</a:t>
-            </a:r>
-            <a:r>
-              <a:rPr lang="en-US" dirty="0" smtClean="0"/>
-              <a:t> </a:t>
-            </a:r>
-            <a:r>
-              <a:rPr lang="en-US" dirty="0" err="1" smtClean="0"/>
-              <a:t>để</a:t>
-            </a:r>
-            <a:r>
-              <a:rPr lang="en-US" dirty="0" smtClean="0"/>
-              <a:t> </a:t>
-            </a:r>
-            <a:r>
-              <a:rPr lang="en-US" dirty="0" err="1" smtClean="0"/>
-              <a:t>thực</a:t>
-            </a:r>
-            <a:r>
-              <a:rPr lang="en-US" dirty="0" smtClean="0"/>
-              <a:t> </a:t>
-            </a:r>
-            <a:r>
-              <a:rPr lang="en-US" dirty="0" err="1" smtClean="0"/>
-              <a:t>hiện</a:t>
-            </a:r>
-            <a:r>
-              <a:rPr lang="en-US" dirty="0" smtClean="0"/>
-              <a:t> </a:t>
-            </a:r>
-            <a:r>
-              <a:rPr lang="en-US" dirty="0" err="1" smtClean="0"/>
-              <a:t>nhấp</a:t>
-            </a:r>
-            <a:r>
-              <a:rPr lang="en-US" dirty="0" smtClean="0"/>
-              <a:t> </a:t>
-            </a:r>
-            <a:r>
-              <a:rPr lang="en-US" dirty="0" err="1" smtClean="0"/>
-              <a:t>nháy</a:t>
-            </a:r>
-            <a:r>
-              <a:rPr lang="en-US" dirty="0" smtClean="0"/>
-              <a:t> </a:t>
-            </a:r>
-            <a:r>
-              <a:rPr lang="en-US" dirty="0" err="1" smtClean="0"/>
-              <a:t>đèn</a:t>
-            </a:r>
-            <a:r>
-              <a:rPr lang="en-US" dirty="0" smtClean="0"/>
-              <a:t> led.</a:t>
-            </a:r>
-          </a:p>
-          <a:p>
-            <a:r>
-              <a:rPr lang="en-US" dirty="0" err="1" smtClean="0"/>
-              <a:t>Cắm</a:t>
-            </a:r>
-            <a:r>
-              <a:rPr lang="en-US" dirty="0" smtClean="0"/>
-              <a:t> led </a:t>
-            </a:r>
-            <a:r>
-              <a:rPr lang="en-US" dirty="0" err="1" smtClean="0"/>
-              <a:t>vào</a:t>
-            </a:r>
-            <a:r>
-              <a:rPr lang="en-US" dirty="0" smtClean="0"/>
-              <a:t> </a:t>
-            </a:r>
-            <a:r>
-              <a:rPr lang="en-US" dirty="0" err="1" smtClean="0"/>
-              <a:t>bảng</a:t>
-            </a:r>
-            <a:r>
-              <a:rPr lang="en-US" dirty="0" smtClean="0"/>
-              <a:t> </a:t>
-            </a:r>
-            <a:r>
-              <a:rPr lang="en-US" dirty="0" err="1" smtClean="0"/>
-              <a:t>nhựa</a:t>
-            </a:r>
-            <a:r>
-              <a:rPr lang="en-US" dirty="0" smtClean="0"/>
-              <a:t> </a:t>
-            </a:r>
-            <a:r>
-              <a:rPr lang="en-US" dirty="0" err="1" smtClean="0"/>
-              <a:t>thành</a:t>
-            </a:r>
-            <a:r>
-              <a:rPr lang="en-US" dirty="0" smtClean="0"/>
-              <a:t> </a:t>
-            </a:r>
-            <a:r>
-              <a:rPr lang="en-US" dirty="0" err="1" smtClean="0"/>
-              <a:t>hình</a:t>
-            </a:r>
-            <a:r>
-              <a:rPr lang="en-US" dirty="0" smtClean="0"/>
-              <a:t> </a:t>
-            </a:r>
-            <a:r>
-              <a:rPr lang="en-US" dirty="0" err="1" smtClean="0"/>
-              <a:t>số</a:t>
-            </a:r>
-            <a:r>
-              <a:rPr lang="en-US" dirty="0" smtClean="0"/>
-              <a:t> 8, trong </a:t>
-            </a:r>
-            <a:r>
-              <a:rPr lang="en-US" dirty="0" err="1" smtClean="0"/>
-              <a:t>hàm</a:t>
-            </a:r>
-            <a:r>
-              <a:rPr lang="en-US" dirty="0" smtClean="0"/>
-              <a:t> </a:t>
-            </a:r>
-            <a:r>
-              <a:rPr lang="en-US" dirty="0" err="1" smtClean="0"/>
-              <a:t>init</a:t>
-            </a:r>
-            <a:r>
-              <a:rPr lang="en-US" dirty="0" smtClean="0"/>
-              <a:t> của driver </a:t>
-            </a:r>
-            <a:r>
-              <a:rPr lang="en-US" dirty="0" err="1" smtClean="0"/>
-              <a:t>thực</a:t>
-            </a:r>
-            <a:r>
-              <a:rPr lang="en-US" dirty="0" smtClean="0"/>
-              <a:t> </a:t>
-            </a:r>
-            <a:r>
-              <a:rPr lang="en-US" dirty="0" err="1" smtClean="0"/>
-              <a:t>hiện</a:t>
-            </a:r>
-            <a:r>
-              <a:rPr lang="en-US" dirty="0" smtClean="0"/>
-              <a:t> </a:t>
-            </a:r>
-            <a:r>
-              <a:rPr lang="en-US" dirty="0" err="1" smtClean="0"/>
-              <a:t>confile</a:t>
-            </a:r>
-            <a:r>
-              <a:rPr lang="en-US" dirty="0" smtClean="0"/>
-              <a:t> </a:t>
-            </a:r>
-            <a:r>
-              <a:rPr lang="en-US" dirty="0" err="1" smtClean="0"/>
-              <a:t>gpio</a:t>
-            </a:r>
-            <a:r>
-              <a:rPr lang="en-US" dirty="0" smtClean="0"/>
-              <a:t>, sau đó </a:t>
-            </a:r>
-            <a:r>
-              <a:rPr lang="en-US" dirty="0" err="1" smtClean="0"/>
-              <a:t>tạo</a:t>
-            </a:r>
-            <a:r>
-              <a:rPr lang="en-US" dirty="0" smtClean="0"/>
-              <a:t> </a:t>
-            </a:r>
-            <a:r>
-              <a:rPr lang="en-US" dirty="0" err="1" smtClean="0"/>
-              <a:t>ra</a:t>
-            </a:r>
-            <a:r>
-              <a:rPr lang="en-US" dirty="0" smtClean="0"/>
-              <a:t> device file. </a:t>
-            </a:r>
-            <a:r>
-              <a:rPr lang="en-US" dirty="0" err="1" smtClean="0"/>
-              <a:t>Khi</a:t>
-            </a:r>
-            <a:r>
-              <a:rPr lang="en-US" dirty="0" smtClean="0"/>
-              <a:t> </a:t>
-            </a:r>
-            <a:r>
-              <a:rPr lang="en-US" dirty="0" err="1" smtClean="0"/>
-              <a:t>ghi</a:t>
-            </a:r>
-            <a:r>
-              <a:rPr lang="en-US" dirty="0" smtClean="0"/>
-              <a:t> 1 </a:t>
-            </a:r>
-            <a:r>
-              <a:rPr lang="en-US" dirty="0" err="1" smtClean="0"/>
-              <a:t>số</a:t>
-            </a:r>
-            <a:r>
-              <a:rPr lang="en-US" dirty="0" smtClean="0"/>
-              <a:t> </a:t>
-            </a:r>
-            <a:r>
-              <a:rPr lang="en-US" dirty="0" err="1" smtClean="0"/>
-              <a:t>bất</a:t>
-            </a:r>
-            <a:r>
-              <a:rPr lang="en-US" dirty="0" smtClean="0"/>
-              <a:t> </a:t>
-            </a:r>
-            <a:r>
-              <a:rPr lang="en-US" dirty="0" err="1" smtClean="0"/>
-              <a:t>kỳ</a:t>
-            </a:r>
-            <a:r>
-              <a:rPr lang="en-US" dirty="0" smtClean="0"/>
-              <a:t> có 1 </a:t>
-            </a:r>
-            <a:r>
-              <a:rPr lang="en-US" dirty="0" err="1" smtClean="0"/>
-              <a:t>chữ</a:t>
-            </a:r>
-            <a:r>
-              <a:rPr lang="en-US" dirty="0" smtClean="0"/>
-              <a:t> </a:t>
-            </a:r>
-            <a:r>
-              <a:rPr lang="en-US" dirty="0" err="1" smtClean="0"/>
-              <a:t>số</a:t>
-            </a:r>
-            <a:r>
-              <a:rPr lang="en-US" dirty="0" smtClean="0"/>
-              <a:t> </a:t>
-            </a:r>
-            <a:r>
-              <a:rPr lang="en-US" dirty="0" err="1" smtClean="0"/>
-              <a:t>thì</a:t>
-            </a:r>
-            <a:r>
-              <a:rPr lang="en-US" dirty="0" smtClean="0"/>
-              <a:t> hiển thị lại trên led của </a:t>
-            </a:r>
-            <a:r>
-              <a:rPr lang="en-US" dirty="0" err="1" smtClean="0"/>
-              <a:t>bảng</a:t>
-            </a:r>
-            <a:r>
-              <a:rPr lang="en-US" dirty="0" smtClean="0"/>
-              <a:t> </a:t>
-            </a:r>
-            <a:r>
-              <a:rPr lang="en-US" dirty="0" err="1" smtClean="0"/>
-              <a:t>nhựa</a:t>
-            </a:r>
-            <a:r>
-              <a:rPr lang="en-US" dirty="0" smtClean="0"/>
-              <a:t>.</a:t>
-            </a:r>
-            <a:endParaRPr lang="en-US" dirty="0"/>
+            <a:pPr lvl="0"/>
+            <a:r>
+              <a:rPr lang="en-US"/>
+              <a:t>Driver code</a:t>
+            </a:r>
+          </a:p>
+          <a:p>
+            <a:pPr lvl="1"/>
+            <a:r>
+              <a:rPr lang="en-US"/>
+              <a:t>static long dev_ioctl(struct file *filep, unsigned int cmd, unsigned long arg)</a:t>
+            </a:r>
+          </a:p>
+          <a:p>
+            <a:pPr lvl="0"/>
+            <a:r>
+              <a:rPr lang="en-US"/>
+              <a:t>User space code</a:t>
+            </a:r>
+          </a:p>
+          <a:p>
+            <a:pPr lvl="1"/>
+            <a:r>
+              <a:rPr lang="en-US"/>
+              <a:t>#include &lt;sys/ioctl.h&gt;</a:t>
+            </a:r>
+          </a:p>
+          <a:p>
+            <a:pPr lvl="1"/>
+            <a:r>
+              <a:rPr lang="en-US"/>
+              <a:t>int ioctl(int fd, unsigned long request, ...);</a:t>
+            </a:r>
           </a:p>
         </p:txBody>
       </p:sp>
     </p:spTree>
     <p:extLst>
       <p:ext uri="{BB962C8B-B14F-4D97-AF65-F5344CB8AC3E}">
-        <p14:creationId xmlns:p14="http://schemas.microsoft.com/office/powerpoint/2010/main" val="422746095"/>
+        <p14:creationId xmlns:p14="http://schemas.microsoft.com/office/powerpoint/2010/main" val="2860257507"/>
       </p:ext>
     </p:extLst>
   </p:cSld>
@@ -5759,648 +5732,36 @@
             <a:spLocks noGrp="1"/>
           </p:cNvSpPr>
           <p:nvPr>
-            <p:ph type="title"/>
-          </p:nvPr>
-        </p:nvSpPr>
-        <p:spPr/>
-        <p:txBody>
-          <a:bodyPr/>
-          <a:lstStyle/>
-          <a:p>
-            <a:r>
-              <a:rPr lang="en-US" dirty="0" smtClean="0"/>
-              <a:t>Advanced home work</a:t>
-            </a:r>
-            <a:endParaRPr lang="en-US" dirty="0"/>
-          </a:p>
-        </p:txBody>
-      </p:sp>
-      <p:sp>
-        <p:nvSpPr>
-          <p:cNvPr id="3" name="Content Placeholder 2"/>
-          <p:cNvSpPr>
-            <a:spLocks noGrp="1"/>
-          </p:cNvSpPr>
-          <p:nvPr>
-            <p:ph idx="1"/>
-          </p:nvPr>
-        </p:nvSpPr>
-        <p:spPr/>
-        <p:txBody>
-          <a:bodyPr>
-            <a:normAutofit fontScale="77500" lnSpcReduction="20000"/>
-          </a:bodyPr>
-          <a:lstStyle/>
-          <a:p>
-            <a:r>
-              <a:rPr lang="en-US" dirty="0" err="1" smtClean="0"/>
-              <a:t>Viết</a:t>
-            </a:r>
-            <a:r>
-              <a:rPr lang="en-US" dirty="0" smtClean="0"/>
-              <a:t> 1 </a:t>
-            </a:r>
-            <a:r>
-              <a:rPr lang="en-US" dirty="0" err="1" smtClean="0"/>
-              <a:t>cặp</a:t>
-            </a:r>
-            <a:r>
-              <a:rPr lang="en-US" dirty="0" smtClean="0"/>
-              <a:t> driver và application. </a:t>
-            </a:r>
-            <a:r>
-              <a:rPr lang="en-US" dirty="0" err="1" smtClean="0"/>
-              <a:t>Khi</a:t>
-            </a:r>
-            <a:r>
-              <a:rPr lang="en-US" dirty="0" smtClean="0"/>
-              <a:t> </a:t>
-            </a:r>
-            <a:r>
-              <a:rPr lang="en-US" dirty="0" err="1" smtClean="0"/>
-              <a:t>hệ</a:t>
-            </a:r>
-            <a:r>
-              <a:rPr lang="en-US" dirty="0" smtClean="0"/>
-              <a:t> </a:t>
-            </a:r>
-            <a:r>
-              <a:rPr lang="en-US" dirty="0" err="1" smtClean="0"/>
-              <a:t>thống</a:t>
-            </a:r>
-            <a:r>
-              <a:rPr lang="en-US" dirty="0" smtClean="0"/>
-              <a:t> boot </a:t>
-            </a:r>
-            <a:r>
-              <a:rPr lang="en-US" dirty="0" err="1" smtClean="0"/>
-              <a:t>lên</a:t>
-            </a:r>
-            <a:r>
-              <a:rPr lang="en-US" dirty="0" smtClean="0"/>
-              <a:t> sẽ </a:t>
-            </a:r>
-            <a:r>
-              <a:rPr lang="en-US" dirty="0" err="1" smtClean="0"/>
-              <a:t>chạy</a:t>
-            </a:r>
-            <a:r>
-              <a:rPr lang="en-US" dirty="0" smtClean="0"/>
-              <a:t> application và </a:t>
-            </a:r>
-            <a:r>
-              <a:rPr lang="en-US" dirty="0" err="1" smtClean="0"/>
-              <a:t>insmod</a:t>
-            </a:r>
-            <a:r>
-              <a:rPr lang="en-US" dirty="0" smtClean="0"/>
-              <a:t> driver. Application sẽ </a:t>
-            </a:r>
-            <a:r>
-              <a:rPr lang="en-US" dirty="0" err="1" smtClean="0"/>
-              <a:t>tiến</a:t>
-            </a:r>
-            <a:r>
-              <a:rPr lang="en-US" dirty="0" smtClean="0"/>
-              <a:t> </a:t>
-            </a:r>
-            <a:r>
-              <a:rPr lang="en-US" dirty="0" err="1" smtClean="0"/>
-              <a:t>hành</a:t>
-            </a:r>
-            <a:r>
-              <a:rPr lang="en-US" dirty="0" smtClean="0"/>
-              <a:t> mount device file </a:t>
-            </a:r>
-            <a:r>
-              <a:rPr lang="en-US" dirty="0" err="1" smtClean="0"/>
-              <a:t>vào</a:t>
-            </a:r>
-            <a:r>
-              <a:rPr lang="en-US" dirty="0" smtClean="0"/>
-              <a:t> </a:t>
-            </a:r>
-            <a:r>
-              <a:rPr lang="en-US" dirty="0" err="1" smtClean="0"/>
-              <a:t>foldel</a:t>
-            </a:r>
-            <a:r>
-              <a:rPr lang="en-US" dirty="0" smtClean="0"/>
-              <a:t> /home/root/</a:t>
-            </a:r>
-            <a:r>
-              <a:rPr lang="en-US" dirty="0" err="1" smtClean="0"/>
-              <a:t>char_dev</a:t>
-            </a:r>
-            <a:r>
-              <a:rPr lang="en-US" dirty="0" smtClean="0"/>
-              <a:t>. Folder trên nếu không </a:t>
-            </a:r>
-            <a:r>
-              <a:rPr lang="en-US" dirty="0" err="1" smtClean="0"/>
-              <a:t>tồn</a:t>
-            </a:r>
-            <a:r>
-              <a:rPr lang="en-US" dirty="0" smtClean="0"/>
-              <a:t> </a:t>
-            </a:r>
-            <a:r>
-              <a:rPr lang="en-US" dirty="0" err="1" smtClean="0"/>
-              <a:t>tại</a:t>
-            </a:r>
-            <a:r>
-              <a:rPr lang="en-US" dirty="0" smtClean="0"/>
-              <a:t> </a:t>
-            </a:r>
-            <a:r>
-              <a:rPr lang="en-US" dirty="0" err="1" smtClean="0"/>
-              <a:t>thì</a:t>
-            </a:r>
-            <a:r>
-              <a:rPr lang="en-US" dirty="0" smtClean="0"/>
-              <a:t> sẽ được application </a:t>
-            </a:r>
-            <a:r>
-              <a:rPr lang="en-US" dirty="0" err="1" smtClean="0"/>
-              <a:t>tạo</a:t>
-            </a:r>
-            <a:r>
-              <a:rPr lang="en-US" dirty="0" smtClean="0"/>
-              <a:t> </a:t>
-            </a:r>
-            <a:r>
-              <a:rPr lang="en-US" dirty="0" err="1" smtClean="0"/>
-              <a:t>ra.</a:t>
-            </a:r>
-            <a:r>
-              <a:rPr lang="en-US" dirty="0" smtClean="0"/>
-              <a:t> </a:t>
-            </a:r>
-            <a:r>
-              <a:rPr lang="en-US" dirty="0" err="1" smtClean="0"/>
-              <a:t>Mỗi</a:t>
-            </a:r>
-            <a:r>
-              <a:rPr lang="en-US" dirty="0" smtClean="0"/>
-              <a:t> </a:t>
-            </a:r>
-            <a:r>
-              <a:rPr lang="en-US" dirty="0" err="1" smtClean="0"/>
-              <a:t>khi</a:t>
-            </a:r>
-            <a:r>
-              <a:rPr lang="en-US" dirty="0" smtClean="0"/>
-              <a:t> user </a:t>
-            </a:r>
-            <a:r>
-              <a:rPr lang="en-US" dirty="0" err="1" smtClean="0"/>
-              <a:t>mở</a:t>
-            </a:r>
-            <a:r>
-              <a:rPr lang="en-US" dirty="0" smtClean="0"/>
-              <a:t> folder </a:t>
-            </a:r>
-            <a:r>
-              <a:rPr lang="en-US" dirty="0" err="1" smtClean="0"/>
-              <a:t>đấy</a:t>
-            </a:r>
-            <a:r>
-              <a:rPr lang="en-US" dirty="0" smtClean="0"/>
-              <a:t> </a:t>
-            </a:r>
-            <a:r>
-              <a:rPr lang="en-US" dirty="0" err="1" smtClean="0"/>
-              <a:t>lên</a:t>
-            </a:r>
-            <a:r>
-              <a:rPr lang="en-US" dirty="0" smtClean="0"/>
-              <a:t> sẽ </a:t>
-            </a:r>
-            <a:r>
-              <a:rPr lang="en-US" dirty="0" err="1" smtClean="0"/>
-              <a:t>nhìn</a:t>
-            </a:r>
-            <a:r>
-              <a:rPr lang="en-US" dirty="0" smtClean="0"/>
-              <a:t> thấy 3 file image1.jpg, image2.jpg, image3.jpg. Nếu user bình </a:t>
-            </a:r>
-            <a:r>
-              <a:rPr lang="en-US" dirty="0" err="1" smtClean="0"/>
-              <a:t>thường</a:t>
-            </a:r>
-            <a:r>
-              <a:rPr lang="en-US" dirty="0" smtClean="0"/>
-              <a:t> </a:t>
-            </a:r>
-            <a:r>
-              <a:rPr lang="en-US" dirty="0" err="1" smtClean="0"/>
-              <a:t>thì</a:t>
-            </a:r>
-            <a:r>
-              <a:rPr lang="en-US" dirty="0" smtClean="0"/>
-              <a:t> </a:t>
-            </a:r>
-            <a:r>
-              <a:rPr lang="en-US" dirty="0" err="1" smtClean="0"/>
-              <a:t>mở</a:t>
-            </a:r>
-            <a:r>
-              <a:rPr lang="en-US" dirty="0" smtClean="0"/>
-              <a:t> 3 file </a:t>
-            </a:r>
-            <a:r>
-              <a:rPr lang="en-US" dirty="0" err="1" smtClean="0"/>
-              <a:t>đều</a:t>
-            </a:r>
-            <a:r>
-              <a:rPr lang="en-US" dirty="0" smtClean="0"/>
-              <a:t> </a:t>
-            </a:r>
-            <a:r>
-              <a:rPr lang="en-US" dirty="0" err="1" smtClean="0"/>
-              <a:t>trả</a:t>
-            </a:r>
-            <a:r>
-              <a:rPr lang="en-US" dirty="0" smtClean="0"/>
-              <a:t> về dữ liệu </a:t>
-            </a:r>
-            <a:r>
-              <a:rPr lang="en-US" dirty="0" err="1" smtClean="0"/>
-              <a:t>đã</a:t>
-            </a:r>
-            <a:r>
-              <a:rPr lang="en-US" dirty="0" smtClean="0"/>
-              <a:t> </a:t>
-            </a:r>
-            <a:r>
-              <a:rPr lang="en-US" dirty="0" err="1" smtClean="0"/>
-              <a:t>mã</a:t>
-            </a:r>
-            <a:r>
-              <a:rPr lang="en-US" dirty="0" smtClean="0"/>
-              <a:t> </a:t>
-            </a:r>
-            <a:r>
-              <a:rPr lang="en-US" dirty="0" err="1" smtClean="0"/>
-              <a:t>hóa</a:t>
-            </a:r>
-            <a:r>
-              <a:rPr lang="en-US" dirty="0" smtClean="0"/>
-              <a:t>. Nếu user là “</a:t>
-            </a:r>
-            <a:r>
-              <a:rPr lang="en-US" dirty="0" err="1" smtClean="0"/>
-              <a:t>phula</a:t>
-            </a:r>
-            <a:r>
-              <a:rPr lang="en-US" dirty="0" smtClean="0"/>
-              <a:t>” </a:t>
-            </a:r>
-            <a:r>
-              <a:rPr lang="en-US" dirty="0" err="1" smtClean="0"/>
-              <a:t>thì</a:t>
-            </a:r>
-            <a:r>
-              <a:rPr lang="en-US" dirty="0" smtClean="0"/>
-              <a:t> </a:t>
-            </a:r>
-            <a:r>
-              <a:rPr lang="en-US" dirty="0" err="1" smtClean="0"/>
-              <a:t>mở</a:t>
-            </a:r>
-            <a:r>
-              <a:rPr lang="en-US" dirty="0" smtClean="0"/>
-              <a:t> </a:t>
-            </a:r>
-            <a:r>
-              <a:rPr lang="en-US" dirty="0" err="1" smtClean="0"/>
-              <a:t>ra</a:t>
-            </a:r>
-            <a:r>
-              <a:rPr lang="en-US" dirty="0" smtClean="0"/>
-              <a:t> sẽ </a:t>
-            </a:r>
-            <a:r>
-              <a:rPr lang="en-US" dirty="0" err="1" smtClean="0"/>
-              <a:t>nhìn</a:t>
-            </a:r>
-            <a:r>
-              <a:rPr lang="en-US" dirty="0" smtClean="0"/>
-              <a:t> được </a:t>
-            </a:r>
-            <a:r>
-              <a:rPr lang="en-US" dirty="0" err="1" smtClean="0"/>
-              <a:t>nội</a:t>
-            </a:r>
-            <a:r>
-              <a:rPr lang="en-US" dirty="0" smtClean="0"/>
-              <a:t> dung file </a:t>
-            </a:r>
-            <a:r>
-              <a:rPr lang="en-US" dirty="0" err="1" smtClean="0"/>
-              <a:t>ảnh</a:t>
-            </a:r>
-            <a:r>
-              <a:rPr lang="en-US" dirty="0" smtClean="0"/>
-              <a:t> 1 </a:t>
-            </a:r>
-            <a:r>
-              <a:rPr lang="en-US" dirty="0" err="1" smtClean="0"/>
-              <a:t>cách</a:t>
-            </a:r>
-            <a:r>
-              <a:rPr lang="en-US" dirty="0" smtClean="0"/>
-              <a:t> bình </a:t>
-            </a:r>
-            <a:r>
-              <a:rPr lang="en-US" dirty="0" err="1" smtClean="0"/>
-              <a:t>thường</a:t>
-            </a:r>
-            <a:r>
-              <a:rPr lang="en-US" dirty="0" smtClean="0"/>
-              <a:t>.</a:t>
-            </a:r>
-          </a:p>
-          <a:p>
-            <a:pPr lvl="1"/>
-            <a:r>
-              <a:rPr lang="en-US" dirty="0" err="1" smtClean="0"/>
-              <a:t>Gợi</a:t>
-            </a:r>
-            <a:r>
-              <a:rPr lang="en-US" dirty="0" smtClean="0"/>
-              <a:t> ý: Ở </a:t>
-            </a:r>
-            <a:r>
-              <a:rPr lang="en-US" dirty="0" err="1" smtClean="0"/>
-              <a:t>đâu</a:t>
-            </a:r>
-            <a:r>
-              <a:rPr lang="en-US" dirty="0" smtClean="0"/>
-              <a:t> đó trong </a:t>
-            </a:r>
-            <a:r>
-              <a:rPr lang="en-US" dirty="0" err="1" smtClean="0"/>
-              <a:t>máy</a:t>
-            </a:r>
-            <a:r>
-              <a:rPr lang="en-US" dirty="0" smtClean="0"/>
-              <a:t> </a:t>
-            </a:r>
-            <a:r>
-              <a:rPr lang="en-US" dirty="0" err="1" smtClean="0"/>
-              <a:t>tính</a:t>
-            </a:r>
-            <a:r>
-              <a:rPr lang="en-US" dirty="0" smtClean="0"/>
-              <a:t> sẽ </a:t>
-            </a:r>
-            <a:r>
-              <a:rPr lang="en-US" dirty="0" err="1" smtClean="0"/>
-              <a:t>lưu</a:t>
-            </a:r>
-            <a:r>
-              <a:rPr lang="en-US" dirty="0" smtClean="0"/>
-              <a:t> </a:t>
-            </a:r>
-            <a:r>
-              <a:rPr lang="en-US" dirty="0" err="1" smtClean="0"/>
-              <a:t>trữ</a:t>
-            </a:r>
-            <a:r>
-              <a:rPr lang="en-US" dirty="0" smtClean="0"/>
-              <a:t> 3 file </a:t>
-            </a:r>
-            <a:r>
-              <a:rPr lang="en-US" dirty="0" err="1" smtClean="0"/>
-              <a:t>ảnh</a:t>
-            </a:r>
-            <a:r>
-              <a:rPr lang="en-US" dirty="0" smtClean="0"/>
-              <a:t> ở </a:t>
-            </a:r>
-            <a:r>
-              <a:rPr lang="en-US" dirty="0" err="1" smtClean="0"/>
-              <a:t>dạng</a:t>
-            </a:r>
-            <a:r>
-              <a:rPr lang="en-US" dirty="0" smtClean="0"/>
-              <a:t> </a:t>
-            </a:r>
-            <a:r>
-              <a:rPr lang="en-US" dirty="0" err="1" smtClean="0"/>
-              <a:t>mã</a:t>
-            </a:r>
-            <a:r>
-              <a:rPr lang="en-US" dirty="0" smtClean="0"/>
-              <a:t> </a:t>
-            </a:r>
-            <a:r>
-              <a:rPr lang="en-US" dirty="0" err="1" smtClean="0"/>
-              <a:t>hóa</a:t>
-            </a:r>
-            <a:r>
-              <a:rPr lang="en-US" dirty="0" smtClean="0"/>
-              <a:t>, nếu user bình </a:t>
-            </a:r>
-            <a:r>
-              <a:rPr lang="en-US" dirty="0" err="1" smtClean="0"/>
-              <a:t>thường</a:t>
-            </a:r>
-            <a:r>
-              <a:rPr lang="en-US" dirty="0" smtClean="0"/>
-              <a:t> </a:t>
-            </a:r>
-            <a:r>
-              <a:rPr lang="en-US" dirty="0" err="1" smtClean="0"/>
-              <a:t>thì</a:t>
-            </a:r>
-            <a:r>
-              <a:rPr lang="en-US" dirty="0"/>
-              <a:t> </a:t>
-            </a:r>
-            <a:r>
-              <a:rPr lang="en-US" dirty="0" smtClean="0"/>
-              <a:t>ở </a:t>
-            </a:r>
-            <a:r>
-              <a:rPr lang="en-US" dirty="0" err="1" smtClean="0"/>
-              <a:t>hàm</a:t>
-            </a:r>
-            <a:r>
-              <a:rPr lang="en-US" dirty="0" smtClean="0"/>
-              <a:t> </a:t>
-            </a:r>
-            <a:r>
-              <a:rPr lang="en-US" dirty="0" err="1" smtClean="0"/>
-              <a:t>đọc</a:t>
-            </a:r>
-            <a:r>
-              <a:rPr lang="en-US" dirty="0" smtClean="0"/>
-              <a:t> file sẽ </a:t>
-            </a:r>
-            <a:r>
-              <a:rPr lang="en-US" dirty="0" err="1" smtClean="0"/>
-              <a:t>đọc</a:t>
-            </a:r>
-            <a:r>
-              <a:rPr lang="en-US" dirty="0" smtClean="0"/>
-              <a:t> từ file </a:t>
-            </a:r>
-            <a:r>
-              <a:rPr lang="en-US" dirty="0" err="1" smtClean="0"/>
-              <a:t>ảnh</a:t>
-            </a:r>
-            <a:r>
-              <a:rPr lang="en-US" dirty="0" smtClean="0"/>
-              <a:t> </a:t>
-            </a:r>
-            <a:r>
-              <a:rPr lang="en-US" dirty="0" err="1" smtClean="0"/>
-              <a:t>mã</a:t>
-            </a:r>
-            <a:r>
-              <a:rPr lang="en-US" dirty="0" smtClean="0"/>
-              <a:t> </a:t>
-            </a:r>
-            <a:r>
-              <a:rPr lang="en-US" dirty="0" err="1" smtClean="0"/>
-              <a:t>hóa</a:t>
-            </a:r>
-            <a:r>
-              <a:rPr lang="en-US" dirty="0" smtClean="0"/>
-              <a:t> </a:t>
-            </a:r>
-            <a:r>
-              <a:rPr lang="en-US" dirty="0" err="1" smtClean="0"/>
-              <a:t>rồi</a:t>
-            </a:r>
-            <a:r>
-              <a:rPr lang="en-US" dirty="0" smtClean="0"/>
-              <a:t> </a:t>
-            </a:r>
-            <a:r>
-              <a:rPr lang="en-US" dirty="0" err="1" smtClean="0"/>
-              <a:t>trả</a:t>
-            </a:r>
-            <a:r>
-              <a:rPr lang="en-US" dirty="0" smtClean="0"/>
-              <a:t> về cho read buffer, nếu user là </a:t>
-            </a:r>
-            <a:r>
-              <a:rPr lang="en-US" dirty="0" err="1" smtClean="0"/>
-              <a:t>phula</a:t>
-            </a:r>
-            <a:r>
-              <a:rPr lang="en-US" dirty="0" smtClean="0"/>
-              <a:t> </a:t>
-            </a:r>
-            <a:r>
-              <a:rPr lang="en-US" dirty="0" err="1" smtClean="0"/>
-              <a:t>thì</a:t>
-            </a:r>
-            <a:r>
-              <a:rPr lang="en-US" dirty="0" smtClean="0"/>
-              <a:t> sẽ </a:t>
-            </a:r>
-            <a:r>
-              <a:rPr lang="en-US" dirty="0" err="1" smtClean="0"/>
-              <a:t>tiến</a:t>
-            </a:r>
-            <a:r>
-              <a:rPr lang="en-US" dirty="0" smtClean="0"/>
-              <a:t> </a:t>
-            </a:r>
-            <a:r>
-              <a:rPr lang="en-US" dirty="0" err="1" smtClean="0"/>
-              <a:t>hành</a:t>
-            </a:r>
-            <a:r>
-              <a:rPr lang="en-US" dirty="0" smtClean="0"/>
-              <a:t> </a:t>
-            </a:r>
-            <a:r>
-              <a:rPr lang="en-US" dirty="0" err="1" smtClean="0"/>
-              <a:t>giải</a:t>
-            </a:r>
-            <a:r>
-              <a:rPr lang="en-US" dirty="0" smtClean="0"/>
-              <a:t> </a:t>
-            </a:r>
-            <a:r>
-              <a:rPr lang="en-US" dirty="0" err="1" smtClean="0"/>
-              <a:t>mã</a:t>
-            </a:r>
-            <a:r>
-              <a:rPr lang="en-US" dirty="0" smtClean="0"/>
-              <a:t> </a:t>
-            </a:r>
-            <a:r>
-              <a:rPr lang="en-US" dirty="0" err="1" smtClean="0"/>
-              <a:t>rồi</a:t>
-            </a:r>
-            <a:r>
-              <a:rPr lang="en-US" dirty="0" smtClean="0"/>
-              <a:t> mới </a:t>
-            </a:r>
-            <a:r>
-              <a:rPr lang="en-US" dirty="0" err="1" smtClean="0"/>
-              <a:t>trả</a:t>
-            </a:r>
-            <a:r>
-              <a:rPr lang="en-US" dirty="0" smtClean="0"/>
-              <a:t> về cho </a:t>
-            </a:r>
-            <a:r>
-              <a:rPr lang="en-US" smtClean="0"/>
-              <a:t>read buffer.</a:t>
-            </a:r>
-            <a:endParaRPr lang="en-US" dirty="0"/>
-          </a:p>
-        </p:txBody>
-      </p:sp>
-      <p:sp>
-        <p:nvSpPr>
-          <p:cNvPr id="4" name="Footer Placeholder 3"/>
-          <p:cNvSpPr>
-            <a:spLocks noGrp="1"/>
-          </p:cNvSpPr>
-          <p:nvPr>
-            <p:ph type="ftr" sz="quarter" idx="11"/>
-          </p:nvPr>
-        </p:nvSpPr>
-        <p:spPr/>
-        <p:txBody>
-          <a:bodyPr/>
-          <a:lstStyle/>
-          <a:p>
-            <a:r>
-              <a:rPr lang="en-US" smtClean="0"/>
-              <a:t>©FPT SOFTWARE - Corporate Training Center - Internal Use</a:t>
-            </a:r>
-            <a:endParaRPr lang="en-US"/>
-          </a:p>
-        </p:txBody>
-      </p:sp>
-      <p:sp>
-        <p:nvSpPr>
-          <p:cNvPr id="5" name="Slide Number Placeholder 4"/>
-          <p:cNvSpPr>
-            <a:spLocks noGrp="1"/>
-          </p:cNvSpPr>
-          <p:nvPr>
-            <p:ph type="sldNum" sz="quarter" idx="12"/>
-          </p:nvPr>
-        </p:nvSpPr>
-        <p:spPr/>
-        <p:txBody>
-          <a:bodyPr/>
-          <a:lstStyle/>
-          <a:p>
-            <a:fld id="{E3B08AF7-4237-6949-8335-F63F47C2C8CC}" type="slidenum">
-              <a:rPr lang="en-US" smtClean="0"/>
-              <a:t>19</a:t>
-            </a:fld>
+            <p:ph type="ctrTitle"/>
+          </p:nvPr>
+        </p:nvSpPr>
+        <p:spPr/>
+        <p:txBody>
+          <a:bodyPr/>
+          <a:lstStyle/>
+          <a:p>
+            <a:r>
+              <a:rPr lang="en-US"/>
+              <a:t>Example code</a:t>
+            </a:r>
+          </a:p>
+        </p:txBody>
+      </p:sp>
+      <p:sp>
+        <p:nvSpPr>
+          <p:cNvPr id="5" name="Subtitle 4"/>
+          <p:cNvSpPr>
+            <a:spLocks noGrp="1"/>
+          </p:cNvSpPr>
+          <p:nvPr>
+            <p:ph type="subTitle" idx="1"/>
+          </p:nvPr>
+        </p:nvSpPr>
+        <p:spPr/>
+        <p:txBody>
+          <a:bodyPr/>
+          <a:lstStyle/>
+          <a:p>
             <a:endParaRPr lang="en-US"/>
           </a:p>
         </p:txBody>
@@ -6408,7 +5769,7 @@
     </p:spTree>
     <p:extLst>
       <p:ext uri="{BB962C8B-B14F-4D97-AF65-F5344CB8AC3E}">
-        <p14:creationId xmlns:p14="http://schemas.microsoft.com/office/powerpoint/2010/main" val="802034718"/>
+        <p14:creationId xmlns:p14="http://schemas.microsoft.com/office/powerpoint/2010/main" val="1458888621"/>
       </p:ext>
     </p:extLst>
   </p:cSld>
@@ -6516,6 +5877,1066 @@
 </file>
 
 <file path=ppt/slides/slide20.xml><?xml version="1.0" encoding="utf-8"?>
+<p:sld xmlns:a="http://schemas.openxmlformats.org/drawingml/2006/main" xmlns:r="http://schemas.openxmlformats.org/officeDocument/2006/relationships" xmlns:p="http://schemas.openxmlformats.org/presentationml/2006/main">
+  <p:cSld>
+    <p:spTree>
+      <p:nvGrpSpPr>
+        <p:cNvPr id="1" name=""/>
+        <p:cNvGrpSpPr/>
+        <p:nvPr/>
+      </p:nvGrpSpPr>
+      <p:grpSpPr>
+        <a:xfrm>
+          <a:off x="0" y="0"/>
+          <a:ext cx="0" cy="0"/>
+          <a:chOff x="0" y="0"/>
+          <a:chExt cx="0" cy="0"/>
+        </a:xfrm>
+      </p:grpSpPr>
+      <p:sp>
+        <p:nvSpPr>
+          <p:cNvPr id="2" name="Title 1"/>
+          <p:cNvSpPr>
+            <a:spLocks noGrp="1"/>
+          </p:cNvSpPr>
+          <p:nvPr>
+            <p:ph type="title"/>
+          </p:nvPr>
+        </p:nvSpPr>
+        <p:spPr/>
+        <p:txBody>
+          <a:bodyPr/>
+          <a:lstStyle/>
+          <a:p>
+            <a:r>
+              <a:rPr lang="en-US"/>
+              <a:t>Home work</a:t>
+            </a:r>
+          </a:p>
+        </p:txBody>
+      </p:sp>
+      <p:sp>
+        <p:nvSpPr>
+          <p:cNvPr id="4" name="Content Placeholder 3"/>
+          <p:cNvSpPr>
+            <a:spLocks noGrp="1"/>
+          </p:cNvSpPr>
+          <p:nvPr>
+            <p:ph idx="1"/>
+          </p:nvPr>
+        </p:nvSpPr>
+        <p:spPr/>
+        <p:txBody>
+          <a:bodyPr/>
+          <a:lstStyle/>
+          <a:p>
+            <a:r>
+              <a:rPr lang="en-US" dirty="0" err="1" smtClean="0"/>
+              <a:t>Viết</a:t>
+            </a:r>
+            <a:r>
+              <a:rPr lang="en-US" dirty="0" smtClean="0"/>
+              <a:t> 1 </a:t>
+            </a:r>
+            <a:r>
+              <a:rPr lang="en-US" dirty="0" err="1" smtClean="0"/>
+              <a:t>cặp</a:t>
+            </a:r>
+            <a:r>
+              <a:rPr lang="en-US" dirty="0" smtClean="0"/>
+              <a:t> </a:t>
+            </a:r>
+            <a:r>
+              <a:rPr lang="en-US" dirty="0" err="1" smtClean="0"/>
+              <a:t>ioctl</a:t>
+            </a:r>
+            <a:r>
+              <a:rPr lang="en-US" dirty="0" smtClean="0"/>
+              <a:t> tương </a:t>
+            </a:r>
+            <a:r>
+              <a:rPr lang="en-US" dirty="0" err="1" smtClean="0"/>
+              <a:t>ứng</a:t>
+            </a:r>
+            <a:r>
+              <a:rPr lang="en-US" dirty="0" smtClean="0"/>
+              <a:t> </a:t>
+            </a:r>
+            <a:r>
+              <a:rPr lang="en-US" dirty="0" err="1" smtClean="0"/>
+              <a:t>giữa</a:t>
+            </a:r>
+            <a:r>
+              <a:rPr lang="en-US" dirty="0" smtClean="0"/>
+              <a:t> driver và application. User có thể </a:t>
+            </a:r>
+            <a:r>
+              <a:rPr lang="en-US" dirty="0" err="1" smtClean="0"/>
+              <a:t>truyền</a:t>
+            </a:r>
+            <a:r>
+              <a:rPr lang="en-US" dirty="0" smtClean="0"/>
+              <a:t> command </a:t>
+            </a:r>
+            <a:r>
+              <a:rPr lang="en-US" dirty="0" err="1" smtClean="0"/>
+              <a:t>xuống</a:t>
+            </a:r>
+            <a:r>
+              <a:rPr lang="en-US" dirty="0" smtClean="0"/>
+              <a:t> </a:t>
+            </a:r>
+            <a:r>
+              <a:rPr lang="en-US" dirty="0" err="1" smtClean="0"/>
+              <a:t>để</a:t>
+            </a:r>
+            <a:r>
+              <a:rPr lang="en-US" dirty="0" smtClean="0"/>
+              <a:t> </a:t>
+            </a:r>
+            <a:r>
+              <a:rPr lang="en-US" dirty="0" err="1" smtClean="0"/>
+              <a:t>thực</a:t>
+            </a:r>
+            <a:r>
+              <a:rPr lang="en-US" dirty="0" smtClean="0"/>
+              <a:t> </a:t>
+            </a:r>
+            <a:r>
+              <a:rPr lang="en-US" dirty="0" err="1" smtClean="0"/>
+              <a:t>hiện</a:t>
+            </a:r>
+            <a:r>
+              <a:rPr lang="en-US" dirty="0" smtClean="0"/>
+              <a:t> </a:t>
+            </a:r>
+            <a:r>
+              <a:rPr lang="en-US" dirty="0" err="1" smtClean="0"/>
+              <a:t>nhấp</a:t>
+            </a:r>
+            <a:r>
+              <a:rPr lang="en-US" dirty="0" smtClean="0"/>
+              <a:t> </a:t>
+            </a:r>
+            <a:r>
+              <a:rPr lang="en-US" dirty="0" err="1" smtClean="0"/>
+              <a:t>nháy</a:t>
+            </a:r>
+            <a:r>
+              <a:rPr lang="en-US" dirty="0" smtClean="0"/>
+              <a:t> </a:t>
+            </a:r>
+            <a:r>
+              <a:rPr lang="en-US" dirty="0" err="1" smtClean="0"/>
+              <a:t>đèn</a:t>
+            </a:r>
+            <a:r>
+              <a:rPr lang="en-US" dirty="0" smtClean="0"/>
+              <a:t> led.</a:t>
+            </a:r>
+          </a:p>
+          <a:p>
+            <a:r>
+              <a:rPr lang="en-US" dirty="0" err="1" smtClean="0"/>
+              <a:t>Cắm</a:t>
+            </a:r>
+            <a:r>
+              <a:rPr lang="en-US" dirty="0" smtClean="0"/>
+              <a:t> led </a:t>
+            </a:r>
+            <a:r>
+              <a:rPr lang="en-US" dirty="0" err="1" smtClean="0"/>
+              <a:t>vào</a:t>
+            </a:r>
+            <a:r>
+              <a:rPr lang="en-US" dirty="0" smtClean="0"/>
+              <a:t> </a:t>
+            </a:r>
+            <a:r>
+              <a:rPr lang="en-US" dirty="0" err="1" smtClean="0"/>
+              <a:t>bảng</a:t>
+            </a:r>
+            <a:r>
+              <a:rPr lang="en-US" dirty="0" smtClean="0"/>
+              <a:t> </a:t>
+            </a:r>
+            <a:r>
+              <a:rPr lang="en-US" dirty="0" err="1" smtClean="0"/>
+              <a:t>nhựa</a:t>
+            </a:r>
+            <a:r>
+              <a:rPr lang="en-US" dirty="0" smtClean="0"/>
+              <a:t> </a:t>
+            </a:r>
+            <a:r>
+              <a:rPr lang="en-US" dirty="0" err="1" smtClean="0"/>
+              <a:t>thành</a:t>
+            </a:r>
+            <a:r>
+              <a:rPr lang="en-US" dirty="0" smtClean="0"/>
+              <a:t> </a:t>
+            </a:r>
+            <a:r>
+              <a:rPr lang="en-US" dirty="0" err="1" smtClean="0"/>
+              <a:t>hình</a:t>
+            </a:r>
+            <a:r>
+              <a:rPr lang="en-US" dirty="0" smtClean="0"/>
+              <a:t> </a:t>
+            </a:r>
+            <a:r>
+              <a:rPr lang="en-US" dirty="0" err="1" smtClean="0"/>
+              <a:t>số</a:t>
+            </a:r>
+            <a:r>
+              <a:rPr lang="en-US" dirty="0" smtClean="0"/>
+              <a:t> 8, trong </a:t>
+            </a:r>
+            <a:r>
+              <a:rPr lang="en-US" dirty="0" err="1" smtClean="0"/>
+              <a:t>hàm</a:t>
+            </a:r>
+            <a:r>
+              <a:rPr lang="en-US" dirty="0" smtClean="0"/>
+              <a:t> </a:t>
+            </a:r>
+            <a:r>
+              <a:rPr lang="en-US" dirty="0" err="1" smtClean="0"/>
+              <a:t>init</a:t>
+            </a:r>
+            <a:r>
+              <a:rPr lang="en-US" dirty="0" smtClean="0"/>
+              <a:t> của driver </a:t>
+            </a:r>
+            <a:r>
+              <a:rPr lang="en-US" dirty="0" err="1" smtClean="0"/>
+              <a:t>thực</a:t>
+            </a:r>
+            <a:r>
+              <a:rPr lang="en-US" dirty="0" smtClean="0"/>
+              <a:t> </a:t>
+            </a:r>
+            <a:r>
+              <a:rPr lang="en-US" dirty="0" err="1" smtClean="0"/>
+              <a:t>hiện</a:t>
+            </a:r>
+            <a:r>
+              <a:rPr lang="en-US" dirty="0" smtClean="0"/>
+              <a:t> </a:t>
+            </a:r>
+            <a:r>
+              <a:rPr lang="en-US" dirty="0" err="1" smtClean="0"/>
+              <a:t>confile</a:t>
+            </a:r>
+            <a:r>
+              <a:rPr lang="en-US" dirty="0" smtClean="0"/>
+              <a:t> </a:t>
+            </a:r>
+            <a:r>
+              <a:rPr lang="en-US" dirty="0" err="1" smtClean="0"/>
+              <a:t>gpio</a:t>
+            </a:r>
+            <a:r>
+              <a:rPr lang="en-US" dirty="0" smtClean="0"/>
+              <a:t>, sau đó </a:t>
+            </a:r>
+            <a:r>
+              <a:rPr lang="en-US" dirty="0" err="1" smtClean="0"/>
+              <a:t>tạo</a:t>
+            </a:r>
+            <a:r>
+              <a:rPr lang="en-US" dirty="0" smtClean="0"/>
+              <a:t> </a:t>
+            </a:r>
+            <a:r>
+              <a:rPr lang="en-US" dirty="0" err="1" smtClean="0"/>
+              <a:t>ra</a:t>
+            </a:r>
+            <a:r>
+              <a:rPr lang="en-US" dirty="0" smtClean="0"/>
+              <a:t> device file. </a:t>
+            </a:r>
+            <a:r>
+              <a:rPr lang="en-US" dirty="0" err="1" smtClean="0"/>
+              <a:t>Khi</a:t>
+            </a:r>
+            <a:r>
+              <a:rPr lang="en-US" dirty="0" smtClean="0"/>
+              <a:t> </a:t>
+            </a:r>
+            <a:r>
+              <a:rPr lang="en-US" dirty="0" err="1" smtClean="0"/>
+              <a:t>ghi</a:t>
+            </a:r>
+            <a:r>
+              <a:rPr lang="en-US" dirty="0" smtClean="0"/>
+              <a:t> 1 </a:t>
+            </a:r>
+            <a:r>
+              <a:rPr lang="en-US" dirty="0" err="1" smtClean="0"/>
+              <a:t>số</a:t>
+            </a:r>
+            <a:r>
+              <a:rPr lang="en-US" dirty="0" smtClean="0"/>
+              <a:t> </a:t>
+            </a:r>
+            <a:r>
+              <a:rPr lang="en-US" dirty="0" err="1" smtClean="0"/>
+              <a:t>bất</a:t>
+            </a:r>
+            <a:r>
+              <a:rPr lang="en-US" dirty="0" smtClean="0"/>
+              <a:t> </a:t>
+            </a:r>
+            <a:r>
+              <a:rPr lang="en-US" dirty="0" err="1" smtClean="0"/>
+              <a:t>kỳ</a:t>
+            </a:r>
+            <a:r>
+              <a:rPr lang="en-US" dirty="0" smtClean="0"/>
+              <a:t> có 1 </a:t>
+            </a:r>
+            <a:r>
+              <a:rPr lang="en-US" dirty="0" err="1" smtClean="0"/>
+              <a:t>chữ</a:t>
+            </a:r>
+            <a:r>
+              <a:rPr lang="en-US" dirty="0" smtClean="0"/>
+              <a:t> </a:t>
+            </a:r>
+            <a:r>
+              <a:rPr lang="en-US" dirty="0" err="1" smtClean="0"/>
+              <a:t>số</a:t>
+            </a:r>
+            <a:r>
+              <a:rPr lang="en-US" dirty="0" smtClean="0"/>
+              <a:t> </a:t>
+            </a:r>
+            <a:r>
+              <a:rPr lang="en-US" dirty="0" err="1" smtClean="0"/>
+              <a:t>thì</a:t>
+            </a:r>
+            <a:r>
+              <a:rPr lang="en-US" dirty="0" smtClean="0"/>
+              <a:t> hiển thị lại trên led của </a:t>
+            </a:r>
+            <a:r>
+              <a:rPr lang="en-US" dirty="0" err="1" smtClean="0"/>
+              <a:t>bảng</a:t>
+            </a:r>
+            <a:r>
+              <a:rPr lang="en-US" dirty="0" smtClean="0"/>
+              <a:t> </a:t>
+            </a:r>
+            <a:r>
+              <a:rPr lang="en-US" dirty="0" err="1" smtClean="0"/>
+              <a:t>nhựa</a:t>
+            </a:r>
+            <a:r>
+              <a:rPr lang="en-US" dirty="0" smtClean="0"/>
+              <a:t>.</a:t>
+            </a:r>
+            <a:endParaRPr lang="en-US" dirty="0"/>
+          </a:p>
+        </p:txBody>
+      </p:sp>
+    </p:spTree>
+    <p:extLst>
+      <p:ext uri="{BB962C8B-B14F-4D97-AF65-F5344CB8AC3E}">
+        <p14:creationId xmlns:p14="http://schemas.microsoft.com/office/powerpoint/2010/main" val="422746095"/>
+      </p:ext>
+    </p:extLst>
+  </p:cSld>
+  <p:clrMapOvr>
+    <a:masterClrMapping/>
+  </p:clrMapOvr>
+</p:sld>
+</file>
+
+<file path=ppt/slides/slide21.xml><?xml version="1.0" encoding="utf-8"?>
+<p:sld xmlns:a="http://schemas.openxmlformats.org/drawingml/2006/main" xmlns:r="http://schemas.openxmlformats.org/officeDocument/2006/relationships" xmlns:p="http://schemas.openxmlformats.org/presentationml/2006/main">
+  <p:cSld>
+    <p:spTree>
+      <p:nvGrpSpPr>
+        <p:cNvPr id="1" name=""/>
+        <p:cNvGrpSpPr/>
+        <p:nvPr/>
+      </p:nvGrpSpPr>
+      <p:grpSpPr>
+        <a:xfrm>
+          <a:off x="0" y="0"/>
+          <a:ext cx="0" cy="0"/>
+          <a:chOff x="0" y="0"/>
+          <a:chExt cx="0" cy="0"/>
+        </a:xfrm>
+      </p:grpSpPr>
+      <p:sp>
+        <p:nvSpPr>
+          <p:cNvPr id="2" name="Title 1"/>
+          <p:cNvSpPr>
+            <a:spLocks noGrp="1"/>
+          </p:cNvSpPr>
+          <p:nvPr>
+            <p:ph type="title"/>
+          </p:nvPr>
+        </p:nvSpPr>
+        <p:spPr/>
+        <p:txBody>
+          <a:bodyPr/>
+          <a:lstStyle/>
+          <a:p>
+            <a:r>
+              <a:rPr lang="en-US" dirty="0" smtClean="0"/>
+              <a:t>Advanced home work</a:t>
+            </a:r>
+            <a:endParaRPr lang="en-US" dirty="0"/>
+          </a:p>
+        </p:txBody>
+      </p:sp>
+      <p:sp>
+        <p:nvSpPr>
+          <p:cNvPr id="3" name="Content Placeholder 2"/>
+          <p:cNvSpPr>
+            <a:spLocks noGrp="1"/>
+          </p:cNvSpPr>
+          <p:nvPr>
+            <p:ph idx="1"/>
+          </p:nvPr>
+        </p:nvSpPr>
+        <p:spPr/>
+        <p:txBody>
+          <a:bodyPr>
+            <a:normAutofit fontScale="77500" lnSpcReduction="20000"/>
+          </a:bodyPr>
+          <a:lstStyle/>
+          <a:p>
+            <a:r>
+              <a:rPr lang="en-US" dirty="0" err="1" smtClean="0"/>
+              <a:t>Viết</a:t>
+            </a:r>
+            <a:r>
+              <a:rPr lang="en-US" dirty="0" smtClean="0"/>
+              <a:t> 1 </a:t>
+            </a:r>
+            <a:r>
+              <a:rPr lang="en-US" dirty="0" err="1" smtClean="0"/>
+              <a:t>cặp</a:t>
+            </a:r>
+            <a:r>
+              <a:rPr lang="en-US" dirty="0" smtClean="0"/>
+              <a:t> driver và application. </a:t>
+            </a:r>
+            <a:r>
+              <a:rPr lang="en-US" dirty="0" err="1" smtClean="0"/>
+              <a:t>Khi</a:t>
+            </a:r>
+            <a:r>
+              <a:rPr lang="en-US" dirty="0" smtClean="0"/>
+              <a:t> </a:t>
+            </a:r>
+            <a:r>
+              <a:rPr lang="en-US" dirty="0" err="1" smtClean="0"/>
+              <a:t>hệ</a:t>
+            </a:r>
+            <a:r>
+              <a:rPr lang="en-US" dirty="0" smtClean="0"/>
+              <a:t> </a:t>
+            </a:r>
+            <a:r>
+              <a:rPr lang="en-US" dirty="0" err="1" smtClean="0"/>
+              <a:t>thống</a:t>
+            </a:r>
+            <a:r>
+              <a:rPr lang="en-US" dirty="0" smtClean="0"/>
+              <a:t> boot </a:t>
+            </a:r>
+            <a:r>
+              <a:rPr lang="en-US" dirty="0" err="1" smtClean="0"/>
+              <a:t>lên</a:t>
+            </a:r>
+            <a:r>
+              <a:rPr lang="en-US" dirty="0" smtClean="0"/>
+              <a:t> sẽ </a:t>
+            </a:r>
+            <a:r>
+              <a:rPr lang="en-US" dirty="0" err="1" smtClean="0"/>
+              <a:t>chạy</a:t>
+            </a:r>
+            <a:r>
+              <a:rPr lang="en-US" dirty="0" smtClean="0"/>
+              <a:t> application và </a:t>
+            </a:r>
+            <a:r>
+              <a:rPr lang="en-US" dirty="0" err="1" smtClean="0"/>
+              <a:t>insmod</a:t>
+            </a:r>
+            <a:r>
+              <a:rPr lang="en-US" dirty="0" smtClean="0"/>
+              <a:t> driver. Application sẽ </a:t>
+            </a:r>
+            <a:r>
+              <a:rPr lang="en-US" dirty="0" err="1" smtClean="0"/>
+              <a:t>tiến</a:t>
+            </a:r>
+            <a:r>
+              <a:rPr lang="en-US" dirty="0" smtClean="0"/>
+              <a:t> </a:t>
+            </a:r>
+            <a:r>
+              <a:rPr lang="en-US" dirty="0" err="1" smtClean="0"/>
+              <a:t>hành</a:t>
+            </a:r>
+            <a:r>
+              <a:rPr lang="en-US" dirty="0" smtClean="0"/>
+              <a:t> mount device file </a:t>
+            </a:r>
+            <a:r>
+              <a:rPr lang="en-US" dirty="0" err="1" smtClean="0"/>
+              <a:t>vào</a:t>
+            </a:r>
+            <a:r>
+              <a:rPr lang="en-US" dirty="0" smtClean="0"/>
+              <a:t> </a:t>
+            </a:r>
+            <a:r>
+              <a:rPr lang="en-US" dirty="0" err="1" smtClean="0"/>
+              <a:t>foldel</a:t>
+            </a:r>
+            <a:r>
+              <a:rPr lang="en-US" dirty="0" smtClean="0"/>
+              <a:t> /home/root/</a:t>
+            </a:r>
+            <a:r>
+              <a:rPr lang="en-US" dirty="0" err="1" smtClean="0"/>
+              <a:t>char_dev</a:t>
+            </a:r>
+            <a:r>
+              <a:rPr lang="en-US" dirty="0" smtClean="0"/>
+              <a:t>. Folder trên nếu không </a:t>
+            </a:r>
+            <a:r>
+              <a:rPr lang="en-US" dirty="0" err="1" smtClean="0"/>
+              <a:t>tồn</a:t>
+            </a:r>
+            <a:r>
+              <a:rPr lang="en-US" dirty="0" smtClean="0"/>
+              <a:t> </a:t>
+            </a:r>
+            <a:r>
+              <a:rPr lang="en-US" dirty="0" err="1" smtClean="0"/>
+              <a:t>tại</a:t>
+            </a:r>
+            <a:r>
+              <a:rPr lang="en-US" dirty="0" smtClean="0"/>
+              <a:t> </a:t>
+            </a:r>
+            <a:r>
+              <a:rPr lang="en-US" dirty="0" err="1" smtClean="0"/>
+              <a:t>thì</a:t>
+            </a:r>
+            <a:r>
+              <a:rPr lang="en-US" dirty="0" smtClean="0"/>
+              <a:t> sẽ được application </a:t>
+            </a:r>
+            <a:r>
+              <a:rPr lang="en-US" dirty="0" err="1" smtClean="0"/>
+              <a:t>tạo</a:t>
+            </a:r>
+            <a:r>
+              <a:rPr lang="en-US" dirty="0" smtClean="0"/>
+              <a:t> </a:t>
+            </a:r>
+            <a:r>
+              <a:rPr lang="en-US" dirty="0" err="1" smtClean="0"/>
+              <a:t>ra.</a:t>
+            </a:r>
+            <a:r>
+              <a:rPr lang="en-US" dirty="0" smtClean="0"/>
+              <a:t> </a:t>
+            </a:r>
+            <a:r>
+              <a:rPr lang="en-US" dirty="0" err="1" smtClean="0"/>
+              <a:t>Mỗi</a:t>
+            </a:r>
+            <a:r>
+              <a:rPr lang="en-US" dirty="0" smtClean="0"/>
+              <a:t> </a:t>
+            </a:r>
+            <a:r>
+              <a:rPr lang="en-US" dirty="0" err="1" smtClean="0"/>
+              <a:t>khi</a:t>
+            </a:r>
+            <a:r>
+              <a:rPr lang="en-US" dirty="0" smtClean="0"/>
+              <a:t> user </a:t>
+            </a:r>
+            <a:r>
+              <a:rPr lang="en-US" dirty="0" err="1" smtClean="0"/>
+              <a:t>mở</a:t>
+            </a:r>
+            <a:r>
+              <a:rPr lang="en-US" dirty="0" smtClean="0"/>
+              <a:t> folder </a:t>
+            </a:r>
+            <a:r>
+              <a:rPr lang="en-US" dirty="0" err="1" smtClean="0"/>
+              <a:t>đấy</a:t>
+            </a:r>
+            <a:r>
+              <a:rPr lang="en-US" dirty="0" smtClean="0"/>
+              <a:t> </a:t>
+            </a:r>
+            <a:r>
+              <a:rPr lang="en-US" dirty="0" err="1" smtClean="0"/>
+              <a:t>lên</a:t>
+            </a:r>
+            <a:r>
+              <a:rPr lang="en-US" dirty="0" smtClean="0"/>
+              <a:t> sẽ </a:t>
+            </a:r>
+            <a:r>
+              <a:rPr lang="en-US" dirty="0" err="1" smtClean="0"/>
+              <a:t>nhìn</a:t>
+            </a:r>
+            <a:r>
+              <a:rPr lang="en-US" dirty="0" smtClean="0"/>
+              <a:t> thấy 3 file image1.jpg, image2.jpg, image3.jpg. Nếu user bình </a:t>
+            </a:r>
+            <a:r>
+              <a:rPr lang="en-US" dirty="0" err="1" smtClean="0"/>
+              <a:t>thường</a:t>
+            </a:r>
+            <a:r>
+              <a:rPr lang="en-US" dirty="0" smtClean="0"/>
+              <a:t> </a:t>
+            </a:r>
+            <a:r>
+              <a:rPr lang="en-US" dirty="0" err="1" smtClean="0"/>
+              <a:t>thì</a:t>
+            </a:r>
+            <a:r>
+              <a:rPr lang="en-US" dirty="0" smtClean="0"/>
+              <a:t> </a:t>
+            </a:r>
+            <a:r>
+              <a:rPr lang="en-US" dirty="0" err="1" smtClean="0"/>
+              <a:t>mở</a:t>
+            </a:r>
+            <a:r>
+              <a:rPr lang="en-US" dirty="0" smtClean="0"/>
+              <a:t> 3 file </a:t>
+            </a:r>
+            <a:r>
+              <a:rPr lang="en-US" dirty="0" err="1" smtClean="0"/>
+              <a:t>đều</a:t>
+            </a:r>
+            <a:r>
+              <a:rPr lang="en-US" dirty="0" smtClean="0"/>
+              <a:t> </a:t>
+            </a:r>
+            <a:r>
+              <a:rPr lang="en-US" dirty="0" err="1" smtClean="0"/>
+              <a:t>trả</a:t>
+            </a:r>
+            <a:r>
+              <a:rPr lang="en-US" dirty="0" smtClean="0"/>
+              <a:t> về dữ liệu </a:t>
+            </a:r>
+            <a:r>
+              <a:rPr lang="en-US" dirty="0" err="1" smtClean="0"/>
+              <a:t>đã</a:t>
+            </a:r>
+            <a:r>
+              <a:rPr lang="en-US" dirty="0" smtClean="0"/>
+              <a:t> </a:t>
+            </a:r>
+            <a:r>
+              <a:rPr lang="en-US" dirty="0" err="1" smtClean="0"/>
+              <a:t>mã</a:t>
+            </a:r>
+            <a:r>
+              <a:rPr lang="en-US" dirty="0" smtClean="0"/>
+              <a:t> </a:t>
+            </a:r>
+            <a:r>
+              <a:rPr lang="en-US" dirty="0" err="1" smtClean="0"/>
+              <a:t>hóa</a:t>
+            </a:r>
+            <a:r>
+              <a:rPr lang="en-US" dirty="0" smtClean="0"/>
+              <a:t>. Nếu user là “</a:t>
+            </a:r>
+            <a:r>
+              <a:rPr lang="en-US" dirty="0" err="1" smtClean="0"/>
+              <a:t>phula</a:t>
+            </a:r>
+            <a:r>
+              <a:rPr lang="en-US" dirty="0" smtClean="0"/>
+              <a:t>” </a:t>
+            </a:r>
+            <a:r>
+              <a:rPr lang="en-US" dirty="0" err="1" smtClean="0"/>
+              <a:t>thì</a:t>
+            </a:r>
+            <a:r>
+              <a:rPr lang="en-US" dirty="0" smtClean="0"/>
+              <a:t> </a:t>
+            </a:r>
+            <a:r>
+              <a:rPr lang="en-US" dirty="0" err="1" smtClean="0"/>
+              <a:t>mở</a:t>
+            </a:r>
+            <a:r>
+              <a:rPr lang="en-US" dirty="0" smtClean="0"/>
+              <a:t> </a:t>
+            </a:r>
+            <a:r>
+              <a:rPr lang="en-US" dirty="0" err="1" smtClean="0"/>
+              <a:t>ra</a:t>
+            </a:r>
+            <a:r>
+              <a:rPr lang="en-US" dirty="0" smtClean="0"/>
+              <a:t> sẽ </a:t>
+            </a:r>
+            <a:r>
+              <a:rPr lang="en-US" dirty="0" err="1" smtClean="0"/>
+              <a:t>nhìn</a:t>
+            </a:r>
+            <a:r>
+              <a:rPr lang="en-US" dirty="0" smtClean="0"/>
+              <a:t> được </a:t>
+            </a:r>
+            <a:r>
+              <a:rPr lang="en-US" dirty="0" err="1" smtClean="0"/>
+              <a:t>nội</a:t>
+            </a:r>
+            <a:r>
+              <a:rPr lang="en-US" dirty="0" smtClean="0"/>
+              <a:t> dung file </a:t>
+            </a:r>
+            <a:r>
+              <a:rPr lang="en-US" dirty="0" err="1" smtClean="0"/>
+              <a:t>ảnh</a:t>
+            </a:r>
+            <a:r>
+              <a:rPr lang="en-US" dirty="0" smtClean="0"/>
+              <a:t> 1 </a:t>
+            </a:r>
+            <a:r>
+              <a:rPr lang="en-US" dirty="0" err="1" smtClean="0"/>
+              <a:t>cách</a:t>
+            </a:r>
+            <a:r>
+              <a:rPr lang="en-US" dirty="0" smtClean="0"/>
+              <a:t> bình </a:t>
+            </a:r>
+            <a:r>
+              <a:rPr lang="en-US" dirty="0" err="1" smtClean="0"/>
+              <a:t>thường</a:t>
+            </a:r>
+            <a:r>
+              <a:rPr lang="en-US" dirty="0" smtClean="0"/>
+              <a:t>.</a:t>
+            </a:r>
+          </a:p>
+          <a:p>
+            <a:pPr lvl="1"/>
+            <a:r>
+              <a:rPr lang="en-US" dirty="0" err="1" smtClean="0"/>
+              <a:t>Gợi</a:t>
+            </a:r>
+            <a:r>
+              <a:rPr lang="en-US" dirty="0" smtClean="0"/>
+              <a:t> ý: Ở </a:t>
+            </a:r>
+            <a:r>
+              <a:rPr lang="en-US" dirty="0" err="1" smtClean="0"/>
+              <a:t>đâu</a:t>
+            </a:r>
+            <a:r>
+              <a:rPr lang="en-US" dirty="0" smtClean="0"/>
+              <a:t> đó trong </a:t>
+            </a:r>
+            <a:r>
+              <a:rPr lang="en-US" dirty="0" err="1" smtClean="0"/>
+              <a:t>máy</a:t>
+            </a:r>
+            <a:r>
+              <a:rPr lang="en-US" dirty="0" smtClean="0"/>
+              <a:t> </a:t>
+            </a:r>
+            <a:r>
+              <a:rPr lang="en-US" dirty="0" err="1" smtClean="0"/>
+              <a:t>tính</a:t>
+            </a:r>
+            <a:r>
+              <a:rPr lang="en-US" dirty="0" smtClean="0"/>
+              <a:t> sẽ </a:t>
+            </a:r>
+            <a:r>
+              <a:rPr lang="en-US" dirty="0" err="1" smtClean="0"/>
+              <a:t>lưu</a:t>
+            </a:r>
+            <a:r>
+              <a:rPr lang="en-US" dirty="0" smtClean="0"/>
+              <a:t> </a:t>
+            </a:r>
+            <a:r>
+              <a:rPr lang="en-US" dirty="0" err="1" smtClean="0"/>
+              <a:t>trữ</a:t>
+            </a:r>
+            <a:r>
+              <a:rPr lang="en-US" dirty="0" smtClean="0"/>
+              <a:t> 3 file </a:t>
+            </a:r>
+            <a:r>
+              <a:rPr lang="en-US" dirty="0" err="1" smtClean="0"/>
+              <a:t>ảnh</a:t>
+            </a:r>
+            <a:r>
+              <a:rPr lang="en-US" dirty="0" smtClean="0"/>
+              <a:t> ở </a:t>
+            </a:r>
+            <a:r>
+              <a:rPr lang="en-US" dirty="0" err="1" smtClean="0"/>
+              <a:t>dạng</a:t>
+            </a:r>
+            <a:r>
+              <a:rPr lang="en-US" dirty="0" smtClean="0"/>
+              <a:t> </a:t>
+            </a:r>
+            <a:r>
+              <a:rPr lang="en-US" dirty="0" err="1" smtClean="0"/>
+              <a:t>mã</a:t>
+            </a:r>
+            <a:r>
+              <a:rPr lang="en-US" dirty="0" smtClean="0"/>
+              <a:t> </a:t>
+            </a:r>
+            <a:r>
+              <a:rPr lang="en-US" dirty="0" err="1" smtClean="0"/>
+              <a:t>hóa</a:t>
+            </a:r>
+            <a:r>
+              <a:rPr lang="en-US" dirty="0" smtClean="0"/>
+              <a:t>, nếu user bình </a:t>
+            </a:r>
+            <a:r>
+              <a:rPr lang="en-US" dirty="0" err="1" smtClean="0"/>
+              <a:t>thường</a:t>
+            </a:r>
+            <a:r>
+              <a:rPr lang="en-US" dirty="0" smtClean="0"/>
+              <a:t> </a:t>
+            </a:r>
+            <a:r>
+              <a:rPr lang="en-US" dirty="0" err="1" smtClean="0"/>
+              <a:t>thì</a:t>
+            </a:r>
+            <a:r>
+              <a:rPr lang="en-US" dirty="0"/>
+              <a:t> </a:t>
+            </a:r>
+            <a:r>
+              <a:rPr lang="en-US" dirty="0" smtClean="0"/>
+              <a:t>ở </a:t>
+            </a:r>
+            <a:r>
+              <a:rPr lang="en-US" dirty="0" err="1" smtClean="0"/>
+              <a:t>hàm</a:t>
+            </a:r>
+            <a:r>
+              <a:rPr lang="en-US" dirty="0" smtClean="0"/>
+              <a:t> </a:t>
+            </a:r>
+            <a:r>
+              <a:rPr lang="en-US" dirty="0" err="1" smtClean="0"/>
+              <a:t>đọc</a:t>
+            </a:r>
+            <a:r>
+              <a:rPr lang="en-US" dirty="0" smtClean="0"/>
+              <a:t> file sẽ </a:t>
+            </a:r>
+            <a:r>
+              <a:rPr lang="en-US" dirty="0" err="1" smtClean="0"/>
+              <a:t>đọc</a:t>
+            </a:r>
+            <a:r>
+              <a:rPr lang="en-US" dirty="0" smtClean="0"/>
+              <a:t> từ file </a:t>
+            </a:r>
+            <a:r>
+              <a:rPr lang="en-US" dirty="0" err="1" smtClean="0"/>
+              <a:t>ảnh</a:t>
+            </a:r>
+            <a:r>
+              <a:rPr lang="en-US" dirty="0" smtClean="0"/>
+              <a:t> </a:t>
+            </a:r>
+            <a:r>
+              <a:rPr lang="en-US" dirty="0" err="1" smtClean="0"/>
+              <a:t>mã</a:t>
+            </a:r>
+            <a:r>
+              <a:rPr lang="en-US" dirty="0" smtClean="0"/>
+              <a:t> </a:t>
+            </a:r>
+            <a:r>
+              <a:rPr lang="en-US" dirty="0" err="1" smtClean="0"/>
+              <a:t>hóa</a:t>
+            </a:r>
+            <a:r>
+              <a:rPr lang="en-US" dirty="0" smtClean="0"/>
+              <a:t> </a:t>
+            </a:r>
+            <a:r>
+              <a:rPr lang="en-US" dirty="0" err="1" smtClean="0"/>
+              <a:t>rồi</a:t>
+            </a:r>
+            <a:r>
+              <a:rPr lang="en-US" dirty="0" smtClean="0"/>
+              <a:t> </a:t>
+            </a:r>
+            <a:r>
+              <a:rPr lang="en-US" dirty="0" err="1" smtClean="0"/>
+              <a:t>trả</a:t>
+            </a:r>
+            <a:r>
+              <a:rPr lang="en-US" dirty="0" smtClean="0"/>
+              <a:t> về cho read buffer, nếu user là </a:t>
+            </a:r>
+            <a:r>
+              <a:rPr lang="en-US" dirty="0" err="1" smtClean="0"/>
+              <a:t>phula</a:t>
+            </a:r>
+            <a:r>
+              <a:rPr lang="en-US" dirty="0" smtClean="0"/>
+              <a:t> </a:t>
+            </a:r>
+            <a:r>
+              <a:rPr lang="en-US" dirty="0" err="1" smtClean="0"/>
+              <a:t>thì</a:t>
+            </a:r>
+            <a:r>
+              <a:rPr lang="en-US" dirty="0" smtClean="0"/>
+              <a:t> sẽ </a:t>
+            </a:r>
+            <a:r>
+              <a:rPr lang="en-US" dirty="0" err="1" smtClean="0"/>
+              <a:t>tiến</a:t>
+            </a:r>
+            <a:r>
+              <a:rPr lang="en-US" dirty="0" smtClean="0"/>
+              <a:t> </a:t>
+            </a:r>
+            <a:r>
+              <a:rPr lang="en-US" dirty="0" err="1" smtClean="0"/>
+              <a:t>hành</a:t>
+            </a:r>
+            <a:r>
+              <a:rPr lang="en-US" dirty="0" smtClean="0"/>
+              <a:t> </a:t>
+            </a:r>
+            <a:r>
+              <a:rPr lang="en-US" dirty="0" err="1" smtClean="0"/>
+              <a:t>giải</a:t>
+            </a:r>
+            <a:r>
+              <a:rPr lang="en-US" dirty="0" smtClean="0"/>
+              <a:t> </a:t>
+            </a:r>
+            <a:r>
+              <a:rPr lang="en-US" dirty="0" err="1" smtClean="0"/>
+              <a:t>mã</a:t>
+            </a:r>
+            <a:r>
+              <a:rPr lang="en-US" dirty="0" smtClean="0"/>
+              <a:t> </a:t>
+            </a:r>
+            <a:r>
+              <a:rPr lang="en-US" dirty="0" err="1" smtClean="0"/>
+              <a:t>rồi</a:t>
+            </a:r>
+            <a:r>
+              <a:rPr lang="en-US" dirty="0" smtClean="0"/>
+              <a:t> mới </a:t>
+            </a:r>
+            <a:r>
+              <a:rPr lang="en-US" dirty="0" err="1" smtClean="0"/>
+              <a:t>trả</a:t>
+            </a:r>
+            <a:r>
+              <a:rPr lang="en-US" dirty="0" smtClean="0"/>
+              <a:t> về cho </a:t>
+            </a:r>
+            <a:r>
+              <a:rPr lang="en-US" smtClean="0"/>
+              <a:t>read buffer.</a:t>
+            </a:r>
+            <a:endParaRPr lang="en-US" dirty="0"/>
+          </a:p>
+        </p:txBody>
+      </p:sp>
+      <p:sp>
+        <p:nvSpPr>
+          <p:cNvPr id="4" name="Footer Placeholder 3"/>
+          <p:cNvSpPr>
+            <a:spLocks noGrp="1"/>
+          </p:cNvSpPr>
+          <p:nvPr>
+            <p:ph type="ftr" sz="quarter" idx="11"/>
+          </p:nvPr>
+        </p:nvSpPr>
+        <p:spPr/>
+        <p:txBody>
+          <a:bodyPr/>
+          <a:lstStyle/>
+          <a:p>
+            <a:r>
+              <a:rPr lang="en-US" smtClean="0"/>
+              <a:t>©FPT SOFTWARE - Corporate Training Center - Internal Use</a:t>
+            </a:r>
+            <a:endParaRPr lang="en-US"/>
+          </a:p>
+        </p:txBody>
+      </p:sp>
+      <p:sp>
+        <p:nvSpPr>
+          <p:cNvPr id="5" name="Slide Number Placeholder 4"/>
+          <p:cNvSpPr>
+            <a:spLocks noGrp="1"/>
+          </p:cNvSpPr>
+          <p:nvPr>
+            <p:ph type="sldNum" sz="quarter" idx="12"/>
+          </p:nvPr>
+        </p:nvSpPr>
+        <p:spPr/>
+        <p:txBody>
+          <a:bodyPr/>
+          <a:lstStyle/>
+          <a:p>
+            <a:fld id="{E3B08AF7-4237-6949-8335-F63F47C2C8CC}" type="slidenum">
+              <a:rPr lang="en-US" smtClean="0"/>
+              <a:t>21</a:t>
+            </a:fld>
+            <a:endParaRPr lang="en-US"/>
+          </a:p>
+        </p:txBody>
+      </p:sp>
+    </p:spTree>
+    <p:extLst>
+      <p:ext uri="{BB962C8B-B14F-4D97-AF65-F5344CB8AC3E}">
+        <p14:creationId xmlns:p14="http://schemas.microsoft.com/office/powerpoint/2010/main" val="802034718"/>
+      </p:ext>
+    </p:extLst>
+  </p:cSld>
+  <p:clrMapOvr>
+    <a:masterClrMapping/>
+  </p:clrMapOvr>
+</p:sld>
+</file>
+
+<file path=ppt/slides/slide22.xml><?xml version="1.0" encoding="utf-8"?>
 <p:sld xmlns:a="http://schemas.openxmlformats.org/drawingml/2006/main" xmlns:r="http://schemas.openxmlformats.org/officeDocument/2006/relationships" xmlns:p="http://schemas.openxmlformats.org/presentationml/2006/main">
   <p:cSld>
     <p:bg>
@@ -6630,7 +7051,7 @@
           <a:p>
             <a:fld id="{E3B08AF7-4237-6949-8335-F63F47C2C8CC}" type="slidenum">
               <a:rPr lang="en-US" smtClean="0"/>
-              <a:t>20</a:t>
+              <a:t>22</a:t>
             </a:fld>
             <a:endParaRPr lang="en-US" dirty="0"/>
           </a:p>
@@ -7092,32 +7513,168 @@
             <a:endParaRPr lang="en-US" dirty="0" smtClean="0"/>
           </a:p>
           <a:p>
-            <a:r>
-              <a:rPr lang="en-US" dirty="0" err="1" smtClean="0"/>
-              <a:t>cdev_init</a:t>
-            </a:r>
-            <a:endParaRPr lang="en-US" dirty="0"/>
-          </a:p>
-          <a:p>
-            <a:r>
-              <a:rPr lang="en-US" smtClean="0"/>
-              <a:t>cdev_add</a:t>
+            <a:pPr lvl="1"/>
+            <a:r>
+              <a:rPr lang="en-US" dirty="0" err="1" smtClean="0"/>
+              <a:t>Cấp</a:t>
+            </a:r>
+            <a:r>
+              <a:rPr lang="en-US" dirty="0" smtClean="0"/>
+              <a:t> </a:t>
+            </a:r>
+            <a:r>
+              <a:rPr lang="en-US" dirty="0" err="1" smtClean="0"/>
+              <a:t>phát</a:t>
+            </a:r>
+            <a:r>
+              <a:rPr lang="en-US" dirty="0" smtClean="0"/>
+              <a:t> </a:t>
+            </a:r>
+            <a:r>
+              <a:rPr lang="en-US" dirty="0" err="1" smtClean="0"/>
+              <a:t>động</a:t>
+            </a:r>
+            <a:r>
+              <a:rPr lang="en-US" dirty="0" smtClean="0"/>
+              <a:t> </a:t>
+            </a:r>
+            <a:r>
+              <a:rPr lang="en-US" dirty="0" err="1" smtClean="0"/>
+              <a:t>cặp</a:t>
+            </a:r>
+            <a:r>
+              <a:rPr lang="en-US" dirty="0" smtClean="0"/>
+              <a:t> </a:t>
+            </a:r>
+            <a:r>
+              <a:rPr lang="en-US" dirty="0" err="1" smtClean="0"/>
+              <a:t>số</a:t>
+            </a:r>
+            <a:r>
+              <a:rPr lang="en-US" dirty="0" smtClean="0"/>
+              <a:t> major </a:t>
+            </a:r>
+            <a:r>
+              <a:rPr lang="en-US" dirty="0" err="1" smtClean="0"/>
+              <a:t>và</a:t>
+            </a:r>
+            <a:r>
+              <a:rPr lang="en-US" dirty="0" smtClean="0"/>
+              <a:t> minor number.</a:t>
+            </a:r>
+          </a:p>
+          <a:p>
+            <a:r>
+              <a:rPr lang="en-US" dirty="0" err="1" smtClean="0"/>
+              <a:t>class_create</a:t>
             </a:r>
             <a:endParaRPr lang="en-US" dirty="0" smtClean="0"/>
           </a:p>
           <a:p>
-            <a:pPr lvl="0"/>
-            <a:r>
-              <a:rPr lang="en-US" dirty="0" err="1" smtClean="0"/>
-              <a:t>class_create</a:t>
-            </a:r>
-            <a:endParaRPr lang="en-US" dirty="0" smtClean="0"/>
-          </a:p>
-          <a:p>
-            <a:pPr lvl="0"/>
-            <a:r>
-              <a:rPr lang="en-US" dirty="0" err="1" smtClean="0"/>
-              <a:t>device_create</a:t>
+            <a:pPr lvl="1"/>
+            <a:r>
+              <a:rPr lang="en-US" dirty="0" err="1" smtClean="0"/>
+              <a:t>Khởi</a:t>
+            </a:r>
+            <a:r>
+              <a:rPr lang="en-US" dirty="0" smtClean="0"/>
+              <a:t> </a:t>
+            </a:r>
+            <a:r>
+              <a:rPr lang="en-US" dirty="0" err="1" smtClean="0"/>
+              <a:t>tạo</a:t>
+            </a:r>
+            <a:r>
+              <a:rPr lang="en-US" dirty="0" smtClean="0"/>
+              <a:t> class </a:t>
+            </a:r>
+            <a:r>
+              <a:rPr lang="en-US" dirty="0" err="1" smtClean="0"/>
+              <a:t>cho</a:t>
+            </a:r>
+            <a:r>
+              <a:rPr lang="en-US" dirty="0" smtClean="0"/>
+              <a:t> device </a:t>
+            </a:r>
+            <a:r>
+              <a:rPr lang="en-US" dirty="0" err="1" smtClean="0"/>
+              <a:t>mới</a:t>
+            </a:r>
+            <a:r>
+              <a:rPr lang="en-US" dirty="0" smtClean="0"/>
+              <a:t>. </a:t>
+            </a:r>
+            <a:r>
+              <a:rPr lang="en-US" dirty="0" err="1" smtClean="0"/>
+              <a:t>Mỗi</a:t>
+            </a:r>
+            <a:r>
+              <a:rPr lang="en-US" dirty="0" smtClean="0"/>
+              <a:t> device </a:t>
+            </a:r>
+            <a:r>
+              <a:rPr lang="en-US" dirty="0" err="1" smtClean="0"/>
+              <a:t>trong</a:t>
+            </a:r>
+            <a:r>
+              <a:rPr lang="en-US" dirty="0" smtClean="0"/>
+              <a:t> Linux </a:t>
+            </a:r>
+            <a:r>
+              <a:rPr lang="en-US" dirty="0" err="1" smtClean="0"/>
+              <a:t>cần</a:t>
+            </a:r>
+            <a:r>
+              <a:rPr lang="en-US" dirty="0" smtClean="0"/>
+              <a:t> </a:t>
+            </a:r>
+            <a:r>
+              <a:rPr lang="en-US" dirty="0" err="1" smtClean="0"/>
+              <a:t>phải</a:t>
+            </a:r>
+            <a:r>
+              <a:rPr lang="en-US" dirty="0" smtClean="0"/>
+              <a:t> </a:t>
+            </a:r>
+            <a:r>
+              <a:rPr lang="en-US" dirty="0" err="1" smtClean="0"/>
+              <a:t>được</a:t>
+            </a:r>
+            <a:r>
+              <a:rPr lang="en-US" dirty="0" smtClean="0"/>
+              <a:t> </a:t>
+            </a:r>
+            <a:r>
+              <a:rPr lang="en-US" dirty="0" err="1" smtClean="0"/>
+              <a:t>gán</a:t>
+            </a:r>
+            <a:r>
+              <a:rPr lang="en-US" dirty="0" smtClean="0"/>
+              <a:t> </a:t>
+            </a:r>
+            <a:r>
+              <a:rPr lang="en-US" dirty="0" err="1" smtClean="0"/>
+              <a:t>vào</a:t>
+            </a:r>
+            <a:r>
+              <a:rPr lang="en-US" dirty="0" smtClean="0"/>
+              <a:t> 1 class device </a:t>
+            </a:r>
+            <a:r>
+              <a:rPr lang="en-US" dirty="0" err="1" smtClean="0"/>
+              <a:t>nào</a:t>
+            </a:r>
+            <a:r>
+              <a:rPr lang="en-US" dirty="0" smtClean="0"/>
+              <a:t> </a:t>
+            </a:r>
+            <a:r>
+              <a:rPr lang="en-US" dirty="0" err="1" smtClean="0"/>
+              <a:t>đó</a:t>
+            </a:r>
+            <a:r>
+              <a:rPr lang="en-US" dirty="0" smtClean="0"/>
+              <a:t>.</a:t>
             </a:r>
             <a:endParaRPr lang="en-US" dirty="0"/>
           </a:p>
@@ -7169,15 +7726,15 @@
           <a:lstStyle/>
           <a:p>
             <a:r>
-              <a:rPr lang="en-US"/>
-              <a:t>Device operation</a:t>
-            </a:r>
-          </a:p>
-        </p:txBody>
-      </p:sp>
-      <p:sp>
-        <p:nvSpPr>
-          <p:cNvPr id="3" name="Text Placeholder 2"/>
+              <a:rPr lang="en-US" dirty="0"/>
+              <a:t>Create device file</a:t>
+            </a:r>
+          </a:p>
+        </p:txBody>
+      </p:sp>
+      <p:sp>
+        <p:nvSpPr>
+          <p:cNvPr id="3" name="Content Placeholder 2"/>
           <p:cNvSpPr>
             <a:spLocks noGrp="1"/>
           </p:cNvSpPr>
@@ -7190,46 +7747,322 @@
           <a:bodyPr/>
           <a:lstStyle/>
           <a:p>
-            <a:pPr lvl="0"/>
-            <a:r>
-              <a:rPr lang="en-US"/>
-              <a:t>open</a:t>
-            </a:r>
-          </a:p>
-          <a:p>
-            <a:pPr lvl="0"/>
-            <a:r>
-              <a:rPr lang="en-US"/>
-              <a:t>close</a:t>
-            </a:r>
-          </a:p>
-          <a:p>
-            <a:pPr lvl="0"/>
-            <a:r>
-              <a:rPr lang="en-US"/>
-              <a:t>read</a:t>
-            </a:r>
-          </a:p>
-          <a:p>
-            <a:pPr lvl="0"/>
-            <a:r>
-              <a:rPr lang="en-US"/>
-              <a:t>write</a:t>
-            </a:r>
-          </a:p>
-          <a:p>
-            <a:pPr lvl="0"/>
-            <a:r>
-              <a:rPr lang="en-US"/>
-              <a:t>ioctl</a:t>
-            </a:r>
+            <a:r>
+              <a:rPr lang="en-US" dirty="0" err="1" smtClean="0"/>
+              <a:t>cdev_init</a:t>
+            </a:r>
+            <a:endParaRPr lang="en-US" dirty="0" smtClean="0"/>
+          </a:p>
+          <a:p>
+            <a:pPr lvl="1"/>
+            <a:r>
+              <a:rPr lang="en-US" dirty="0" err="1" smtClean="0"/>
+              <a:t>Khởi</a:t>
+            </a:r>
+            <a:r>
+              <a:rPr lang="en-US" dirty="0" smtClean="0"/>
+              <a:t> </a:t>
+            </a:r>
+            <a:r>
+              <a:rPr lang="en-US" dirty="0" err="1" smtClean="0"/>
+              <a:t>tạo</a:t>
+            </a:r>
+            <a:r>
+              <a:rPr lang="en-US" dirty="0" smtClean="0"/>
+              <a:t> </a:t>
+            </a:r>
+            <a:r>
+              <a:rPr lang="en-US" dirty="0" err="1" smtClean="0"/>
+              <a:t>các</a:t>
+            </a:r>
+            <a:r>
+              <a:rPr lang="en-US" dirty="0" smtClean="0"/>
+              <a:t> </a:t>
+            </a:r>
+            <a:r>
+              <a:rPr lang="en-US" dirty="0" err="1" smtClean="0"/>
+              <a:t>thông</a:t>
+            </a:r>
+            <a:r>
+              <a:rPr lang="en-US" dirty="0" smtClean="0"/>
+              <a:t> </a:t>
+            </a:r>
+            <a:r>
+              <a:rPr lang="en-US" dirty="0" err="1" smtClean="0"/>
+              <a:t>số</a:t>
+            </a:r>
+            <a:r>
+              <a:rPr lang="en-US" dirty="0" smtClean="0"/>
+              <a:t> </a:t>
+            </a:r>
+            <a:r>
+              <a:rPr lang="en-US" dirty="0" err="1" smtClean="0"/>
+              <a:t>mặc</a:t>
+            </a:r>
+            <a:r>
+              <a:rPr lang="en-US" dirty="0" smtClean="0"/>
+              <a:t> </a:t>
+            </a:r>
+            <a:r>
+              <a:rPr lang="en-US" dirty="0" err="1" smtClean="0"/>
+              <a:t>định</a:t>
+            </a:r>
+            <a:r>
+              <a:rPr lang="en-US" dirty="0" smtClean="0"/>
+              <a:t> </a:t>
+            </a:r>
+            <a:r>
+              <a:rPr lang="en-US" dirty="0" err="1" smtClean="0"/>
+              <a:t>cho</a:t>
+            </a:r>
+            <a:r>
+              <a:rPr lang="en-US" dirty="0" smtClean="0"/>
+              <a:t> </a:t>
+            </a:r>
+            <a:r>
+              <a:rPr lang="en-US" dirty="0" err="1" smtClean="0"/>
+              <a:t>struct</a:t>
+            </a:r>
+            <a:r>
+              <a:rPr lang="en-US" dirty="0" smtClean="0"/>
+              <a:t> </a:t>
+            </a:r>
+            <a:r>
+              <a:rPr lang="en-US" dirty="0"/>
+              <a:t>character </a:t>
+            </a:r>
+            <a:r>
+              <a:rPr lang="en-US" dirty="0" smtClean="0"/>
+              <a:t>device</a:t>
+            </a:r>
+            <a:r>
+              <a:rPr lang="en-US" dirty="0"/>
+              <a:t> (</a:t>
+            </a:r>
+            <a:r>
+              <a:rPr lang="en-US" dirty="0" err="1"/>
+              <a:t>struct</a:t>
+            </a:r>
+            <a:r>
+              <a:rPr lang="en-US" dirty="0"/>
+              <a:t> </a:t>
+            </a:r>
+            <a:r>
+              <a:rPr lang="en-US" dirty="0" err="1"/>
+              <a:t>cdev</a:t>
+            </a:r>
+            <a:r>
+              <a:rPr lang="en-US" dirty="0" smtClean="0"/>
+              <a:t>).</a:t>
+            </a:r>
+          </a:p>
+          <a:p>
+            <a:r>
+              <a:rPr lang="en-US" dirty="0" err="1" smtClean="0"/>
+              <a:t>cdev_add</a:t>
+            </a:r>
+            <a:endParaRPr lang="en-US" dirty="0" smtClean="0"/>
+          </a:p>
+          <a:p>
+            <a:pPr lvl="1"/>
+            <a:r>
+              <a:rPr lang="en-US" dirty="0" err="1" smtClean="0"/>
+              <a:t>Đăng</a:t>
+            </a:r>
+            <a:r>
+              <a:rPr lang="en-US" dirty="0" smtClean="0"/>
+              <a:t> </a:t>
+            </a:r>
+            <a:r>
+              <a:rPr lang="en-US" dirty="0" err="1" smtClean="0"/>
+              <a:t>ký</a:t>
+            </a:r>
+            <a:r>
+              <a:rPr lang="en-US" dirty="0" smtClean="0"/>
+              <a:t> </a:t>
+            </a:r>
+            <a:r>
+              <a:rPr lang="en-US" dirty="0" err="1" smtClean="0"/>
+              <a:t>struct</a:t>
+            </a:r>
+            <a:r>
+              <a:rPr lang="en-US" dirty="0" smtClean="0"/>
+              <a:t> </a:t>
+            </a:r>
+            <a:r>
+              <a:rPr lang="en-US" dirty="0" err="1" smtClean="0"/>
+              <a:t>cdev</a:t>
+            </a:r>
+            <a:r>
+              <a:rPr lang="en-US" dirty="0" smtClean="0"/>
+              <a:t> </a:t>
+            </a:r>
+            <a:r>
+              <a:rPr lang="en-US" dirty="0" err="1" smtClean="0"/>
+              <a:t>với</a:t>
+            </a:r>
+            <a:r>
+              <a:rPr lang="en-US" dirty="0" smtClean="0"/>
+              <a:t> kernel. Xin kernel </a:t>
+            </a:r>
+            <a:r>
+              <a:rPr lang="en-US" dirty="0" err="1" smtClean="0"/>
+              <a:t>cho</a:t>
+            </a:r>
+            <a:r>
+              <a:rPr lang="en-US" dirty="0" smtClean="0"/>
+              <a:t> </a:t>
+            </a:r>
+            <a:r>
+              <a:rPr lang="en-US" dirty="0" err="1" smtClean="0"/>
+              <a:t>phép</a:t>
+            </a:r>
+            <a:r>
+              <a:rPr lang="en-US" dirty="0" smtClean="0"/>
+              <a:t> driver </a:t>
+            </a:r>
+            <a:r>
+              <a:rPr lang="en-US" dirty="0" err="1" smtClean="0"/>
+              <a:t>chịu</a:t>
+            </a:r>
+            <a:r>
+              <a:rPr lang="en-US" dirty="0" smtClean="0"/>
+              <a:t> </a:t>
+            </a:r>
+            <a:r>
+              <a:rPr lang="en-US" dirty="0" err="1" smtClean="0"/>
+              <a:t>trách</a:t>
+            </a:r>
+            <a:r>
+              <a:rPr lang="en-US" dirty="0" smtClean="0"/>
+              <a:t> </a:t>
+            </a:r>
+            <a:r>
+              <a:rPr lang="en-US" dirty="0" err="1" smtClean="0"/>
+              <a:t>nhiệm</a:t>
+            </a:r>
+            <a:r>
+              <a:rPr lang="en-US" dirty="0" smtClean="0"/>
+              <a:t> </a:t>
+            </a:r>
+            <a:r>
+              <a:rPr lang="en-US" dirty="0" err="1" smtClean="0"/>
+              <a:t>điều</a:t>
+            </a:r>
+            <a:r>
+              <a:rPr lang="en-US" dirty="0" smtClean="0"/>
+              <a:t> </a:t>
+            </a:r>
+            <a:r>
+              <a:rPr lang="en-US" dirty="0" err="1" smtClean="0"/>
+              <a:t>khiển</a:t>
+            </a:r>
+            <a:r>
+              <a:rPr lang="en-US" dirty="0" smtClean="0"/>
+              <a:t> device file </a:t>
+            </a:r>
+            <a:r>
+              <a:rPr lang="en-US" dirty="0" err="1" smtClean="0"/>
+              <a:t>có</a:t>
+            </a:r>
+            <a:r>
+              <a:rPr lang="en-US" dirty="0" smtClean="0"/>
+              <a:t> </a:t>
+            </a:r>
+            <a:r>
+              <a:rPr lang="en-US" dirty="0" err="1" smtClean="0"/>
+              <a:t>cặp</a:t>
+            </a:r>
+            <a:r>
+              <a:rPr lang="en-US" dirty="0" smtClean="0"/>
+              <a:t> </a:t>
+            </a:r>
+            <a:r>
+              <a:rPr lang="en-US" dirty="0" err="1" smtClean="0"/>
+              <a:t>số</a:t>
+            </a:r>
+            <a:r>
+              <a:rPr lang="en-US" dirty="0" smtClean="0"/>
+              <a:t> major </a:t>
+            </a:r>
+            <a:r>
+              <a:rPr lang="en-US" dirty="0" err="1" smtClean="0"/>
+              <a:t>và</a:t>
+            </a:r>
+            <a:r>
+              <a:rPr lang="en-US" dirty="0" smtClean="0"/>
+              <a:t> minor number </a:t>
+            </a:r>
+            <a:r>
+              <a:rPr lang="en-US" dirty="0" err="1" smtClean="0"/>
+              <a:t>tương</a:t>
+            </a:r>
+            <a:r>
+              <a:rPr lang="en-US" dirty="0" smtClean="0"/>
+              <a:t> </a:t>
+            </a:r>
+            <a:r>
+              <a:rPr lang="en-US" dirty="0" err="1" smtClean="0"/>
+              <a:t>ứng</a:t>
+            </a:r>
+            <a:r>
+              <a:rPr lang="en-US" dirty="0" smtClean="0"/>
+              <a:t>.</a:t>
+            </a:r>
+            <a:endParaRPr lang="en-US" dirty="0"/>
+          </a:p>
+        </p:txBody>
+      </p:sp>
+      <p:sp>
+        <p:nvSpPr>
+          <p:cNvPr id="4" name="Footer Placeholder 3"/>
+          <p:cNvSpPr>
+            <a:spLocks noGrp="1"/>
+          </p:cNvSpPr>
+          <p:nvPr>
+            <p:ph type="ftr" sz="quarter" idx="11"/>
+          </p:nvPr>
+        </p:nvSpPr>
+        <p:spPr/>
+        <p:txBody>
+          <a:bodyPr/>
+          <a:lstStyle/>
+          <a:p>
+            <a:r>
+              <a:rPr lang="en-US" smtClean="0"/>
+              <a:t>©FPT SOFTWARE - Corporate Training Center - Internal Use</a:t>
+            </a:r>
+            <a:endParaRPr lang="en-US"/>
+          </a:p>
+        </p:txBody>
+      </p:sp>
+      <p:sp>
+        <p:nvSpPr>
+          <p:cNvPr id="5" name="Slide Number Placeholder 4"/>
+          <p:cNvSpPr>
+            <a:spLocks noGrp="1"/>
+          </p:cNvSpPr>
+          <p:nvPr>
+            <p:ph type="sldNum" sz="quarter" idx="12"/>
+          </p:nvPr>
+        </p:nvSpPr>
+        <p:spPr/>
+        <p:txBody>
+          <a:bodyPr/>
+          <a:lstStyle/>
+          <a:p>
+            <a:fld id="{E3B08AF7-4237-6949-8335-F63F47C2C8CC}" type="slidenum">
+              <a:rPr lang="en-US" smtClean="0"/>
+              <a:t>7</a:t>
+            </a:fld>
+            <a:endParaRPr lang="en-US"/>
           </a:p>
         </p:txBody>
       </p:sp>
     </p:spTree>
     <p:extLst>
       <p:ext uri="{BB962C8B-B14F-4D97-AF65-F5344CB8AC3E}">
-        <p14:creationId xmlns:p14="http://schemas.microsoft.com/office/powerpoint/2010/main" val="3729107274"/>
+        <p14:creationId xmlns:p14="http://schemas.microsoft.com/office/powerpoint/2010/main" val="42149738"/>
       </p:ext>
     </p:extLst>
   </p:cSld>
@@ -7272,15 +8105,15 @@
           <a:lstStyle/>
           <a:p>
             <a:r>
-              <a:rPr lang="en-US"/>
-              <a:t>Implement file operation in driver</a:t>
-            </a:r>
-          </a:p>
-        </p:txBody>
-      </p:sp>
-      <p:sp>
-        <p:nvSpPr>
-          <p:cNvPr id="3" name="Text Placeholder 2"/>
+              <a:rPr lang="en-US" dirty="0"/>
+              <a:t>Create device file</a:t>
+            </a:r>
+          </a:p>
+        </p:txBody>
+      </p:sp>
+      <p:sp>
+        <p:nvSpPr>
+          <p:cNvPr id="3" name="Content Placeholder 2"/>
           <p:cNvSpPr>
             <a:spLocks noGrp="1"/>
           </p:cNvSpPr>
@@ -7290,225 +8123,131 @@
         </p:nvSpPr>
         <p:spPr/>
         <p:txBody>
-          <a:bodyPr>
-            <a:normAutofit fontScale="92500" lnSpcReduction="10000"/>
-          </a:bodyPr>
-          <a:lstStyle/>
-          <a:p>
-            <a:pPr lvl="0"/>
-            <a:r>
-              <a:rPr lang="en-US" dirty="0"/>
-              <a:t>static int </a:t>
-            </a:r>
-            <a:r>
-              <a:rPr lang="en-US" dirty="0" err="1"/>
-              <a:t>dev_open</a:t>
-            </a:r>
-            <a:r>
-              <a:rPr lang="en-US" dirty="0"/>
-              <a:t>(</a:t>
-            </a:r>
-            <a:r>
-              <a:rPr lang="en-US" dirty="0" err="1"/>
-              <a:t>struct</a:t>
-            </a:r>
-            <a:r>
-              <a:rPr lang="en-US" dirty="0"/>
-              <a:t> </a:t>
-            </a:r>
-            <a:r>
-              <a:rPr lang="en-US" dirty="0" err="1"/>
-              <a:t>inode</a:t>
-            </a:r>
-            <a:r>
-              <a:rPr lang="en-US" dirty="0"/>
-              <a:t> *</a:t>
-            </a:r>
-            <a:r>
-              <a:rPr lang="en-US" dirty="0" err="1"/>
-              <a:t>inodep</a:t>
-            </a:r>
-            <a:r>
-              <a:rPr lang="en-US" dirty="0"/>
-              <a:t>, </a:t>
-            </a:r>
-            <a:r>
-              <a:rPr lang="en-US" dirty="0" err="1"/>
-              <a:t>struct</a:t>
-            </a:r>
-            <a:r>
-              <a:rPr lang="en-US" dirty="0"/>
-              <a:t> file *</a:t>
-            </a:r>
-            <a:r>
-              <a:rPr lang="en-US" dirty="0" err="1"/>
-              <a:t>filep</a:t>
-            </a:r>
-            <a:r>
-              <a:rPr lang="en-US" dirty="0"/>
-              <a:t>)</a:t>
-            </a:r>
-          </a:p>
-          <a:p>
-            <a:pPr lvl="0"/>
-            <a:r>
-              <a:rPr lang="en-US" dirty="0"/>
-              <a:t>static int </a:t>
-            </a:r>
-            <a:r>
-              <a:rPr lang="en-US" dirty="0" err="1"/>
-              <a:t>dev_close</a:t>
-            </a:r>
-            <a:r>
-              <a:rPr lang="en-US" dirty="0"/>
-              <a:t>(</a:t>
-            </a:r>
-            <a:r>
-              <a:rPr lang="en-US" dirty="0" err="1"/>
-              <a:t>struct</a:t>
-            </a:r>
-            <a:r>
-              <a:rPr lang="en-US" dirty="0"/>
-              <a:t> </a:t>
-            </a:r>
-            <a:r>
-              <a:rPr lang="en-US" dirty="0" err="1"/>
-              <a:t>inode</a:t>
-            </a:r>
-            <a:r>
-              <a:rPr lang="en-US" dirty="0"/>
-              <a:t> *</a:t>
-            </a:r>
-            <a:r>
-              <a:rPr lang="en-US" dirty="0" err="1"/>
-              <a:t>inodep</a:t>
-            </a:r>
-            <a:r>
-              <a:rPr lang="en-US" dirty="0"/>
-              <a:t>, </a:t>
-            </a:r>
-            <a:r>
-              <a:rPr lang="en-US" dirty="0" err="1"/>
-              <a:t>struct</a:t>
-            </a:r>
-            <a:r>
-              <a:rPr lang="en-US" dirty="0"/>
-              <a:t> file *</a:t>
-            </a:r>
-            <a:r>
-              <a:rPr lang="en-US" dirty="0" err="1"/>
-              <a:t>filep</a:t>
-            </a:r>
-            <a:r>
-              <a:rPr lang="en-US" dirty="0"/>
-              <a:t>)</a:t>
-            </a:r>
-          </a:p>
-          <a:p>
-            <a:pPr lvl="0"/>
-            <a:r>
-              <a:rPr lang="en-US" dirty="0"/>
-              <a:t>static ssize_t </a:t>
-            </a:r>
-            <a:r>
-              <a:rPr lang="en-US" dirty="0" err="1"/>
-              <a:t>dev_read</a:t>
-            </a:r>
-            <a:r>
-              <a:rPr lang="en-US" dirty="0"/>
-              <a:t>(</a:t>
-            </a:r>
-            <a:r>
-              <a:rPr lang="en-US" dirty="0" err="1"/>
-              <a:t>struct</a:t>
-            </a:r>
-            <a:r>
-              <a:rPr lang="en-US" dirty="0"/>
-              <a:t> file*</a:t>
-            </a:r>
-            <a:r>
-              <a:rPr lang="en-US" dirty="0" err="1"/>
-              <a:t>filep</a:t>
-            </a:r>
-            <a:r>
-              <a:rPr lang="en-US" dirty="0"/>
-              <a:t>, char __user *buf, size_t </a:t>
-            </a:r>
-            <a:r>
-              <a:rPr lang="en-US" dirty="0" err="1"/>
-              <a:t>len</a:t>
-            </a:r>
-            <a:r>
-              <a:rPr lang="en-US" dirty="0"/>
-              <a:t>, </a:t>
-            </a:r>
-            <a:r>
-              <a:rPr lang="en-US" dirty="0" err="1"/>
-              <a:t>loff_t</a:t>
-            </a:r>
-            <a:r>
-              <a:rPr lang="en-US" dirty="0"/>
-              <a:t> *offset)</a:t>
-            </a:r>
-          </a:p>
-          <a:p>
-            <a:pPr lvl="0"/>
-            <a:r>
-              <a:rPr lang="en-US" dirty="0"/>
-              <a:t>static ssize_t </a:t>
-            </a:r>
-            <a:r>
-              <a:rPr lang="en-US" dirty="0" err="1"/>
-              <a:t>dev_write</a:t>
-            </a:r>
-            <a:r>
-              <a:rPr lang="en-US" dirty="0"/>
-              <a:t>(</a:t>
-            </a:r>
-            <a:r>
-              <a:rPr lang="en-US" dirty="0" err="1"/>
-              <a:t>struct</a:t>
-            </a:r>
-            <a:r>
-              <a:rPr lang="en-US" dirty="0"/>
-              <a:t> file*</a:t>
-            </a:r>
-            <a:r>
-              <a:rPr lang="en-US" dirty="0" err="1"/>
-              <a:t>filep</a:t>
-            </a:r>
-            <a:r>
-              <a:rPr lang="en-US" dirty="0"/>
-              <a:t>, const char __user *buf, size_t </a:t>
-            </a:r>
-            <a:r>
-              <a:rPr lang="en-US" dirty="0" err="1"/>
-              <a:t>len</a:t>
-            </a:r>
-            <a:r>
-              <a:rPr lang="en-US" dirty="0"/>
-              <a:t>, </a:t>
-            </a:r>
-            <a:r>
-              <a:rPr lang="en-US" dirty="0" err="1"/>
-              <a:t>loff_t</a:t>
-            </a:r>
-            <a:r>
-              <a:rPr lang="en-US" dirty="0"/>
-              <a:t> *offset</a:t>
-            </a:r>
-            <a:r>
-              <a:rPr lang="en-US" dirty="0" smtClean="0"/>
-              <a:t>)</a:t>
+          <a:bodyPr/>
+          <a:lstStyle/>
+          <a:p>
+            <a:r>
+              <a:rPr lang="en-US" dirty="0" err="1" smtClean="0"/>
+              <a:t>device_create</a:t>
+            </a:r>
+            <a:endParaRPr lang="en-US" dirty="0" smtClean="0"/>
+          </a:p>
+          <a:p>
+            <a:pPr lvl="1"/>
+            <a:r>
+              <a:rPr lang="en-US" dirty="0" smtClean="0"/>
+              <a:t>Request kernel </a:t>
+            </a:r>
+            <a:r>
+              <a:rPr lang="en-US" dirty="0" err="1" smtClean="0"/>
+              <a:t>tạo</a:t>
+            </a:r>
+            <a:r>
+              <a:rPr lang="en-US" dirty="0" smtClean="0"/>
+              <a:t> </a:t>
+            </a:r>
+            <a:r>
+              <a:rPr lang="en-US" dirty="0" err="1" smtClean="0"/>
+              <a:t>ra</a:t>
+            </a:r>
+            <a:r>
+              <a:rPr lang="en-US" dirty="0" smtClean="0"/>
+              <a:t> 1 device file </a:t>
+            </a:r>
+            <a:r>
+              <a:rPr lang="en-US" dirty="0" err="1" smtClean="0"/>
+              <a:t>tương</a:t>
+            </a:r>
+            <a:r>
+              <a:rPr lang="en-US" dirty="0" smtClean="0"/>
+              <a:t> </a:t>
+            </a:r>
+            <a:r>
+              <a:rPr lang="en-US" dirty="0" err="1" smtClean="0"/>
+              <a:t>ứng</a:t>
+            </a:r>
+            <a:r>
+              <a:rPr lang="en-US" dirty="0" smtClean="0"/>
+              <a:t> </a:t>
+            </a:r>
+            <a:r>
+              <a:rPr lang="en-US" dirty="0" err="1" smtClean="0"/>
+              <a:t>trong</a:t>
+            </a:r>
+            <a:r>
+              <a:rPr lang="en-US" dirty="0" smtClean="0"/>
+              <a:t> </a:t>
+            </a:r>
+            <a:r>
+              <a:rPr lang="en-US" dirty="0" err="1" smtClean="0"/>
+              <a:t>thư</a:t>
+            </a:r>
+            <a:r>
+              <a:rPr lang="en-US" dirty="0" smtClean="0"/>
+              <a:t> </a:t>
+            </a:r>
+            <a:r>
+              <a:rPr lang="en-US" dirty="0" err="1" smtClean="0"/>
+              <a:t>mục</a:t>
+            </a:r>
+            <a:r>
+              <a:rPr lang="en-US" dirty="0" smtClean="0"/>
+              <a:t> /dev.</a:t>
             </a:r>
             <a:endParaRPr lang="en-US" dirty="0"/>
+          </a:p>
+        </p:txBody>
+      </p:sp>
+      <p:sp>
+        <p:nvSpPr>
+          <p:cNvPr id="4" name="Footer Placeholder 3"/>
+          <p:cNvSpPr>
+            <a:spLocks noGrp="1"/>
+          </p:cNvSpPr>
+          <p:nvPr>
+            <p:ph type="ftr" sz="quarter" idx="11"/>
+          </p:nvPr>
+        </p:nvSpPr>
+        <p:spPr/>
+        <p:txBody>
+          <a:bodyPr/>
+          <a:lstStyle/>
+          <a:p>
+            <a:r>
+              <a:rPr lang="en-US" smtClean="0"/>
+              <a:t>©FPT SOFTWARE - Corporate Training Center - Internal Use</a:t>
+            </a:r>
+            <a:endParaRPr lang="en-US"/>
+          </a:p>
+        </p:txBody>
+      </p:sp>
+      <p:sp>
+        <p:nvSpPr>
+          <p:cNvPr id="5" name="Slide Number Placeholder 4"/>
+          <p:cNvSpPr>
+            <a:spLocks noGrp="1"/>
+          </p:cNvSpPr>
+          <p:nvPr>
+            <p:ph type="sldNum" sz="quarter" idx="12"/>
+          </p:nvPr>
+        </p:nvSpPr>
+        <p:spPr/>
+        <p:txBody>
+          <a:bodyPr/>
+          <a:lstStyle/>
+          <a:p>
+            <a:fld id="{E3B08AF7-4237-6949-8335-F63F47C2C8CC}" type="slidenum">
+              <a:rPr lang="en-US" smtClean="0"/>
+              <a:t>8</a:t>
+            </a:fld>
+            <a:endParaRPr lang="en-US"/>
           </a:p>
         </p:txBody>
       </p:sp>
     </p:spTree>
     <p:extLst>
       <p:ext uri="{BB962C8B-B14F-4D97-AF65-F5344CB8AC3E}">
-        <p14:creationId xmlns:p14="http://schemas.microsoft.com/office/powerpoint/2010/main" val="2863290237"/>
+        <p14:creationId xmlns:p14="http://schemas.microsoft.com/office/powerpoint/2010/main" val="208090738"/>
       </p:ext>
     </p:extLst>
   </p:cSld>
@@ -7551,16 +8290,15 @@
           <a:lstStyle/>
           <a:p>
             <a:r>
-              <a:rPr lang="en-US" dirty="0" smtClean="0"/>
-              <a:t>Swap memory buffer</a:t>
-            </a:r>
-            <a:endParaRPr lang="en-US" dirty="0"/>
-          </a:p>
-        </p:txBody>
-      </p:sp>
-      <p:sp>
-        <p:nvSpPr>
-          <p:cNvPr id="3" name="Content Placeholder 2"/>
+              <a:rPr lang="en-US"/>
+              <a:t>Device operation</a:t>
+            </a:r>
+          </a:p>
+        </p:txBody>
+      </p:sp>
+      <p:sp>
+        <p:nvSpPr>
+          <p:cNvPr id="3" name="Text Placeholder 2"/>
           <p:cNvSpPr>
             <a:spLocks noGrp="1"/>
           </p:cNvSpPr>
@@ -7575,88 +8313,44 @@
           <a:p>
             <a:pPr lvl="0"/>
             <a:r>
-              <a:rPr lang="en-US" dirty="0"/>
-              <a:t>unsigned long </a:t>
-            </a:r>
-            <a:r>
-              <a:rPr lang="en-US" dirty="0" err="1"/>
-              <a:t>copy_from_user</a:t>
-            </a:r>
-            <a:r>
-              <a:rPr lang="en-US" dirty="0"/>
-              <a:t>(void *to, const void __user *from, unsigned long n);</a:t>
+              <a:rPr lang="en-US"/>
+              <a:t>open</a:t>
             </a:r>
           </a:p>
           <a:p>
             <a:pPr lvl="0"/>
             <a:r>
-              <a:rPr lang="en-US" dirty="0"/>
-              <a:t>unsigned long </a:t>
-            </a:r>
-            <a:r>
-              <a:rPr lang="en-US" dirty="0" err="1"/>
-              <a:t>copy_to_user</a:t>
-            </a:r>
-            <a:r>
-              <a:rPr lang="en-US" dirty="0"/>
-              <a:t>(void __user *to, const void *from, unsigned long n);</a:t>
-            </a:r>
-          </a:p>
-          <a:p>
-            <a:endParaRPr lang="en-US" dirty="0"/>
-          </a:p>
-        </p:txBody>
-      </p:sp>
-      <p:sp>
-        <p:nvSpPr>
-          <p:cNvPr id="4" name="Footer Placeholder 3"/>
-          <p:cNvSpPr>
-            <a:spLocks noGrp="1"/>
-          </p:cNvSpPr>
-          <p:nvPr>
-            <p:ph type="ftr" sz="quarter" idx="11"/>
-          </p:nvPr>
-        </p:nvSpPr>
-        <p:spPr/>
-        <p:txBody>
-          <a:bodyPr/>
-          <a:lstStyle/>
-          <a:p>
-            <a:r>
-              <a:rPr lang="en-US" smtClean="0"/>
-              <a:t>©FPT SOFTWARE - Corporate Training Center - Internal Use</a:t>
-            </a:r>
-            <a:endParaRPr lang="en-US"/>
-          </a:p>
-        </p:txBody>
-      </p:sp>
-      <p:sp>
-        <p:nvSpPr>
-          <p:cNvPr id="5" name="Slide Number Placeholder 4"/>
-          <p:cNvSpPr>
-            <a:spLocks noGrp="1"/>
-          </p:cNvSpPr>
-          <p:nvPr>
-            <p:ph type="sldNum" sz="quarter" idx="12"/>
-          </p:nvPr>
-        </p:nvSpPr>
-        <p:spPr/>
-        <p:txBody>
-          <a:bodyPr/>
-          <a:lstStyle/>
-          <a:p>
-            <a:fld id="{E3B08AF7-4237-6949-8335-F63F47C2C8CC}" type="slidenum">
-              <a:rPr lang="en-US" smtClean="0"/>
-              <a:t>9</a:t>
-            </a:fld>
-            <a:endParaRPr lang="en-US"/>
+              <a:rPr lang="en-US"/>
+              <a:t>close</a:t>
+            </a:r>
+          </a:p>
+          <a:p>
+            <a:pPr lvl="0"/>
+            <a:r>
+              <a:rPr lang="en-US"/>
+              <a:t>read</a:t>
+            </a:r>
+          </a:p>
+          <a:p>
+            <a:pPr lvl="0"/>
+            <a:r>
+              <a:rPr lang="en-US"/>
+              <a:t>write</a:t>
+            </a:r>
+          </a:p>
+          <a:p>
+            <a:pPr lvl="0"/>
+            <a:r>
+              <a:rPr lang="en-US"/>
+              <a:t>ioctl</a:t>
+            </a:r>
           </a:p>
         </p:txBody>
       </p:sp>
     </p:spTree>
     <p:extLst>
       <p:ext uri="{BB962C8B-B14F-4D97-AF65-F5344CB8AC3E}">
-        <p14:creationId xmlns:p14="http://schemas.microsoft.com/office/powerpoint/2010/main" val="3946249162"/>
+        <p14:creationId xmlns:p14="http://schemas.microsoft.com/office/powerpoint/2010/main" val="3729107274"/>
       </p:ext>
     </p:extLst>
   </p:cSld>
